--- a/Project to Product Paper AgileCamp NY 2019.pptx
+++ b/Project to Product Paper AgileCamp NY 2019.pptx
@@ -9,7 +9,7 @@
   </p:notesMasterIdLst>
   <p:sldIdLst>
     <p:sldId id="307" r:id="rId2"/>
-    <p:sldId id="308" r:id="rId3"/>
+    <p:sldId id="258" r:id="rId3"/>
     <p:sldId id="294" r:id="rId4"/>
     <p:sldId id="297" r:id="rId5"/>
     <p:sldId id="309" r:id="rId6"/>
@@ -220,7 +220,7 @@
           <a:p>
             <a:fld id="{703FCFD6-0401-43C5-B18D-781307A7DAE7}" type="datetimeFigureOut">
               <a:rPr lang="en-US" smtClean="0"/>
-              <a:t>10/2/19</a:t>
+              <a:t>10/3/19</a:t>
             </a:fld>
             <a:endParaRPr lang="en-US"/>
           </a:p>
@@ -607,6 +607,102 @@
                 <a:ea typeface="+mn-ea"/>
                 <a:cs typeface="+mn-cs"/>
               </a:rPr>
+              <a:t>You can go from this waterfall world of projects, where again, you’re assuming that you know exactly what you should be delivering for years on end, to this flow orientation but measure the results of that flow orientation.</a:t>
+            </a:r>
+            <a:endParaRPr lang="en-US" dirty="0"/>
+          </a:p>
+        </p:txBody>
+      </p:sp>
+      <p:sp>
+        <p:nvSpPr>
+          <p:cNvPr id="4" name="Slide Number Placeholder 3"/>
+          <p:cNvSpPr>
+            <a:spLocks noGrp="1"/>
+          </p:cNvSpPr>
+          <p:nvPr>
+            <p:ph type="sldNum" sz="quarter" idx="5"/>
+          </p:nvPr>
+        </p:nvSpPr>
+        <p:spPr/>
+        <p:txBody>
+          <a:bodyPr/>
+          <a:lstStyle/>
+          <a:p>
+            <a:fld id="{AAFEE2B6-961E-4B89-9AD2-30FAB594CE91}" type="slidenum">
+              <a:rPr lang="en-US" smtClean="0"/>
+              <a:t>12</a:t>
+            </a:fld>
+            <a:endParaRPr lang="en-US"/>
+          </a:p>
+        </p:txBody>
+      </p:sp>
+    </p:spTree>
+    <p:extLst>
+      <p:ext uri="{BB962C8B-B14F-4D97-AF65-F5344CB8AC3E}">
+        <p14:creationId xmlns:p14="http://schemas.microsoft.com/office/powerpoint/2010/main" val="302118060"/>
+      </p:ext>
+    </p:extLst>
+  </p:cSld>
+  <p:clrMapOvr>
+    <a:masterClrMapping/>
+  </p:clrMapOvr>
+</p:notes>
+</file>
+
+<file path=ppt/notesSlides/notesSlide11.xml><?xml version="1.0" encoding="utf-8"?>
+<p:notes xmlns:a="http://schemas.openxmlformats.org/drawingml/2006/main" xmlns:r="http://schemas.openxmlformats.org/officeDocument/2006/relationships" xmlns:p="http://schemas.openxmlformats.org/presentationml/2006/main">
+  <p:cSld>
+    <p:spTree>
+      <p:nvGrpSpPr>
+        <p:cNvPr id="1" name=""/>
+        <p:cNvGrpSpPr/>
+        <p:nvPr/>
+      </p:nvGrpSpPr>
+      <p:grpSpPr>
+        <a:xfrm>
+          <a:off x="0" y="0"/>
+          <a:ext cx="0" cy="0"/>
+          <a:chOff x="0" y="0"/>
+          <a:chExt cx="0" cy="0"/>
+        </a:xfrm>
+      </p:grpSpPr>
+      <p:sp>
+        <p:nvSpPr>
+          <p:cNvPr id="2" name="Slide Image Placeholder 1"/>
+          <p:cNvSpPr>
+            <a:spLocks noGrp="1" noRot="1" noChangeAspect="1"/>
+          </p:cNvSpPr>
+          <p:nvPr>
+            <p:ph type="sldImg"/>
+          </p:nvPr>
+        </p:nvSpPr>
+        <p:spPr/>
+      </p:sp>
+      <p:sp>
+        <p:nvSpPr>
+          <p:cNvPr id="3" name="Notes Placeholder 2"/>
+          <p:cNvSpPr>
+            <a:spLocks noGrp="1"/>
+          </p:cNvSpPr>
+          <p:nvPr>
+            <p:ph type="body" idx="1"/>
+          </p:nvPr>
+        </p:nvSpPr>
+        <p:spPr/>
+        <p:txBody>
+          <a:bodyPr/>
+          <a:lstStyle/>
+          <a:p>
+            <a:r>
+              <a:rPr lang="en-US" sz="1200" b="0" i="0" kern="1200" dirty="0">
+                <a:solidFill>
+                  <a:schemeClr val="tx1"/>
+                </a:solidFill>
+                <a:effectLst/>
+                <a:latin typeface="+mn-lt"/>
+                <a:ea typeface="+mn-ea"/>
+                <a:cs typeface="+mn-cs"/>
+              </a:rPr>
               <a:t>You can go from this world where everything has to be specified up front, to creating a project development budget, that allows for the reallocation of budgets between project value streams on a much shorter time frame than a year. Then you can adapt to your market for wherever you are getting those business results.</a:t>
             </a:r>
             <a:endParaRPr lang="en-US" dirty="0"/>
@@ -649,7 +745,7 @@
 </p:notes>
 </file>
 
-<file path=ppt/notesSlides/notesSlide11.xml><?xml version="1.0" encoding="utf-8"?>
+<file path=ppt/notesSlides/notesSlide12.xml><?xml version="1.0" encoding="utf-8"?>
 <p:notes xmlns:a="http://schemas.openxmlformats.org/drawingml/2006/main" xmlns:r="http://schemas.openxmlformats.org/officeDocument/2006/relationships" xmlns:p="http://schemas.openxmlformats.org/presentationml/2006/main">
   <p:cSld>
     <p:spTree>
@@ -772,7 +868,7 @@
 </p:notes>
 </file>
 
-<file path=ppt/notesSlides/notesSlide12.xml><?xml version="1.0" encoding="utf-8"?>
+<file path=ppt/notesSlides/notesSlide13.xml><?xml version="1.0" encoding="utf-8"?>
 <p:notes xmlns:a="http://schemas.openxmlformats.org/drawingml/2006/main" xmlns:r="http://schemas.openxmlformats.org/officeDocument/2006/relationships" xmlns:p="http://schemas.openxmlformats.org/presentationml/2006/main">
   <p:cSld>
     <p:spTree>
@@ -820,6 +916,389 @@
               <a:rPr lang="en-US" dirty="0"/>
               <a:t>Here list the tools to have on the toolbox to since defining the product and to change management.</a:t>
             </a:r>
+          </a:p>
+          <a:p>
+            <a:endParaRPr lang="en-US" dirty="0"/>
+          </a:p>
+          <a:p>
+            <a:r>
+              <a:rPr lang="en-US" dirty="0"/>
+              <a:t>Funding : For building, running and iterating on the solution or even pivoting to a different solution till the underlying problem is verifiably solved</a:t>
+            </a:r>
+          </a:p>
+          <a:p>
+            <a:endParaRPr lang="en-US" dirty="0"/>
+          </a:p>
+          <a:p>
+            <a:pPr marL="0" marR="0" lvl="0" indent="0" algn="l" defTabSz="914400" rtl="0" eaLnBrk="1" fontAlgn="auto" latinLnBrk="0" hangingPunct="1">
+              <a:lnSpc>
+                <a:spcPct val="100000"/>
+              </a:lnSpc>
+              <a:spcBef>
+                <a:spcPts val="0"/>
+              </a:spcBef>
+              <a:spcAft>
+                <a:spcPts val="0"/>
+              </a:spcAft>
+              <a:buClrTx/>
+              <a:buSzTx/>
+              <a:buFontTx/>
+              <a:buNone/>
+              <a:tabLst/>
+              <a:defRPr/>
+            </a:pPr>
+            <a:r>
+              <a:rPr lang="en-US" dirty="0">
+                <a:solidFill>
+                  <a:schemeClr val="accent4"/>
+                </a:solidFill>
+                <a:latin typeface="Arial" panose="020B0604020202020204" pitchFamily="34" charset="0"/>
+                <a:cs typeface="Arial" panose="020B0604020202020204" pitchFamily="34" charset="0"/>
+              </a:rPr>
+              <a:t>Ideate, build and run as a single </a:t>
+            </a:r>
+            <a:r>
+              <a:rPr lang="en-US" dirty="0" err="1">
+                <a:solidFill>
+                  <a:schemeClr val="accent4"/>
+                </a:solidFill>
+                <a:latin typeface="Arial" panose="020B0604020202020204" pitchFamily="34" charset="0"/>
+                <a:cs typeface="Arial" panose="020B0604020202020204" pitchFamily="34" charset="0"/>
+              </a:rPr>
+              <a:t>deparment</a:t>
+            </a:r>
+            <a:r>
+              <a:rPr lang="en-US" dirty="0">
+                <a:solidFill>
+                  <a:schemeClr val="accent4"/>
+                </a:solidFill>
+                <a:latin typeface="Arial" panose="020B0604020202020204" pitchFamily="34" charset="0"/>
+                <a:cs typeface="Arial" panose="020B0604020202020204" pitchFamily="34" charset="0"/>
+              </a:rPr>
+              <a:t> with unified reporting hierarchy</a:t>
+            </a:r>
+          </a:p>
+          <a:p>
+            <a:pPr marL="0" marR="0" lvl="0" indent="0" algn="l" defTabSz="914400" rtl="0" eaLnBrk="1" fontAlgn="auto" latinLnBrk="0" hangingPunct="1">
+              <a:lnSpc>
+                <a:spcPct val="100000"/>
+              </a:lnSpc>
+              <a:spcBef>
+                <a:spcPts val="0"/>
+              </a:spcBef>
+              <a:spcAft>
+                <a:spcPts val="0"/>
+              </a:spcAft>
+              <a:buClrTx/>
+              <a:buSzTx/>
+              <a:buFontTx/>
+              <a:buNone/>
+              <a:tabLst/>
+              <a:defRPr/>
+            </a:pPr>
+            <a:endParaRPr lang="en-US" dirty="0">
+              <a:solidFill>
+                <a:schemeClr val="accent4"/>
+              </a:solidFill>
+              <a:latin typeface="Arial" panose="020B0604020202020204" pitchFamily="34" charset="0"/>
+              <a:cs typeface="Arial" panose="020B0604020202020204" pitchFamily="34" charset="0"/>
+            </a:endParaRPr>
+          </a:p>
+          <a:p>
+            <a:pPr marL="0" marR="0" lvl="0" indent="0" algn="l" defTabSz="914400" rtl="0" eaLnBrk="1" fontAlgn="auto" latinLnBrk="0" hangingPunct="1">
+              <a:lnSpc>
+                <a:spcPct val="100000"/>
+              </a:lnSpc>
+              <a:spcBef>
+                <a:spcPts val="0"/>
+              </a:spcBef>
+              <a:spcAft>
+                <a:spcPts val="0"/>
+              </a:spcAft>
+              <a:buClrTx/>
+              <a:buSzTx/>
+              <a:buFontTx/>
+              <a:buNone/>
+              <a:tabLst/>
+              <a:defRPr/>
+            </a:pPr>
+            <a:r>
+              <a:rPr lang="en-US" dirty="0">
+                <a:solidFill>
+                  <a:schemeClr val="accent4"/>
+                </a:solidFill>
+                <a:latin typeface="Arial" panose="020B0604020202020204" pitchFamily="34" charset="0"/>
+                <a:cs typeface="Arial" panose="020B0604020202020204" pitchFamily="34" charset="0"/>
+              </a:rPr>
+              <a:t>5. Roadmap items are </a:t>
+            </a:r>
+            <a:r>
+              <a:rPr lang="en-US" dirty="0" err="1">
+                <a:solidFill>
+                  <a:schemeClr val="accent4"/>
+                </a:solidFill>
+                <a:latin typeface="Arial" panose="020B0604020202020204" pitchFamily="34" charset="0"/>
+                <a:cs typeface="Arial" panose="020B0604020202020204" pitchFamily="34" charset="0"/>
+              </a:rPr>
+              <a:t>priorititized</a:t>
+            </a:r>
+            <a:r>
+              <a:rPr lang="en-US" dirty="0">
+                <a:solidFill>
+                  <a:schemeClr val="accent4"/>
+                </a:solidFill>
+                <a:latin typeface="Arial" panose="020B0604020202020204" pitchFamily="34" charset="0"/>
+                <a:cs typeface="Arial" panose="020B0604020202020204" pitchFamily="34" charset="0"/>
+              </a:rPr>
+              <a:t> by product owners and their business counterparties. Cross cutting initiatives are prioritized by the business or tech leadership. </a:t>
+            </a:r>
+            <a:r>
+              <a:rPr lang="en-US" dirty="0" err="1">
+                <a:solidFill>
+                  <a:schemeClr val="accent4"/>
+                </a:solidFill>
+                <a:latin typeface="Arial" panose="020B0604020202020204" pitchFamily="34" charset="0"/>
+                <a:cs typeface="Arial" panose="020B0604020202020204" pitchFamily="34" charset="0"/>
+              </a:rPr>
+              <a:t>Inititiatives</a:t>
+            </a:r>
+            <a:r>
+              <a:rPr lang="en-US" dirty="0">
+                <a:solidFill>
+                  <a:schemeClr val="accent4"/>
+                </a:solidFill>
+                <a:latin typeface="Arial" panose="020B0604020202020204" pitchFamily="34" charset="0"/>
+                <a:cs typeface="Arial" panose="020B0604020202020204" pitchFamily="34" charset="0"/>
+              </a:rPr>
+              <a:t> don’t </a:t>
+            </a:r>
+            <a:r>
+              <a:rPr lang="en-US" dirty="0" err="1">
+                <a:solidFill>
+                  <a:schemeClr val="accent4"/>
+                </a:solidFill>
+                <a:latin typeface="Arial" panose="020B0604020202020204" pitchFamily="34" charset="0"/>
+                <a:cs typeface="Arial" panose="020B0604020202020204" pitchFamily="34" charset="0"/>
+              </a:rPr>
+              <a:t>ghet</a:t>
+            </a:r>
+            <a:r>
+              <a:rPr lang="en-US" dirty="0">
+                <a:solidFill>
+                  <a:schemeClr val="accent4"/>
+                </a:solidFill>
+                <a:latin typeface="Arial" panose="020B0604020202020204" pitchFamily="34" charset="0"/>
+                <a:cs typeface="Arial" panose="020B0604020202020204" pitchFamily="34" charset="0"/>
+              </a:rPr>
+              <a:t> their own team. They are parceled out to pre existing product mode teams.</a:t>
+            </a:r>
+          </a:p>
+          <a:p>
+            <a:pPr marL="0" marR="0" lvl="0" indent="0" algn="l" defTabSz="914400" rtl="0" eaLnBrk="1" fontAlgn="auto" latinLnBrk="0" hangingPunct="1">
+              <a:lnSpc>
+                <a:spcPct val="100000"/>
+              </a:lnSpc>
+              <a:spcBef>
+                <a:spcPts val="0"/>
+              </a:spcBef>
+              <a:spcAft>
+                <a:spcPts val="0"/>
+              </a:spcAft>
+              <a:buClrTx/>
+              <a:buSzTx/>
+              <a:buFontTx/>
+              <a:buNone/>
+              <a:tabLst/>
+              <a:defRPr/>
+            </a:pPr>
+            <a:endParaRPr lang="en-US" dirty="0">
+              <a:solidFill>
+                <a:schemeClr val="accent4"/>
+              </a:solidFill>
+              <a:latin typeface="Arial" panose="020B0604020202020204" pitchFamily="34" charset="0"/>
+              <a:cs typeface="Arial" panose="020B0604020202020204" pitchFamily="34" charset="0"/>
+            </a:endParaRPr>
+          </a:p>
+          <a:p>
+            <a:pPr marL="0" marR="0" lvl="0" indent="0" algn="l" defTabSz="914400" rtl="0" eaLnBrk="1" fontAlgn="auto" latinLnBrk="0" hangingPunct="1">
+              <a:lnSpc>
+                <a:spcPct val="100000"/>
+              </a:lnSpc>
+              <a:spcBef>
+                <a:spcPts val="0"/>
+              </a:spcBef>
+              <a:spcAft>
+                <a:spcPts val="0"/>
+              </a:spcAft>
+              <a:buClrTx/>
+              <a:buSzTx/>
+              <a:buFontTx/>
+              <a:buNone/>
+              <a:tabLst/>
+              <a:defRPr/>
+            </a:pPr>
+            <a:r>
+              <a:rPr lang="en-US" dirty="0">
+                <a:solidFill>
+                  <a:schemeClr val="accent4"/>
+                </a:solidFill>
+                <a:latin typeface="Arial" panose="020B0604020202020204" pitchFamily="34" charset="0"/>
+                <a:cs typeface="Arial" panose="020B0604020202020204" pitchFamily="34" charset="0"/>
+              </a:rPr>
+              <a:t>6. Product owners prove actual benefits either with data from A/B testing, analytic, user surveys, </a:t>
+            </a:r>
+            <a:r>
+              <a:rPr lang="en-US" dirty="0" err="1">
+                <a:solidFill>
+                  <a:schemeClr val="accent4"/>
+                </a:solidFill>
+                <a:latin typeface="Arial" panose="020B0604020202020204" pitchFamily="34" charset="0"/>
+                <a:cs typeface="Arial" panose="020B0604020202020204" pitchFamily="34" charset="0"/>
+              </a:rPr>
+              <a:t>etc</a:t>
+            </a:r>
+            <a:r>
+              <a:rPr lang="en-US" dirty="0">
+                <a:solidFill>
+                  <a:schemeClr val="accent4"/>
+                </a:solidFill>
+                <a:latin typeface="Arial" panose="020B0604020202020204" pitchFamily="34" charset="0"/>
+                <a:cs typeface="Arial" panose="020B0604020202020204" pitchFamily="34" charset="0"/>
+              </a:rPr>
+              <a:t>…. Or with feedback from business. Engineer for early feedback with good practices to release frequently in small chunks and good analytic capabilities to determine delta changes in adoption, conversion, </a:t>
+            </a:r>
+            <a:r>
+              <a:rPr lang="en-US" dirty="0" err="1">
+                <a:solidFill>
+                  <a:schemeClr val="accent4"/>
+                </a:solidFill>
+                <a:latin typeface="Arial" panose="020B0604020202020204" pitchFamily="34" charset="0"/>
+                <a:cs typeface="Arial" panose="020B0604020202020204" pitchFamily="34" charset="0"/>
+              </a:rPr>
+              <a:t>etc</a:t>
+            </a:r>
+            <a:r>
+              <a:rPr lang="en-US" dirty="0">
+                <a:solidFill>
+                  <a:schemeClr val="accent4"/>
+                </a:solidFill>
+                <a:latin typeface="Arial" panose="020B0604020202020204" pitchFamily="34" charset="0"/>
+                <a:cs typeface="Arial" panose="020B0604020202020204" pitchFamily="34" charset="0"/>
+              </a:rPr>
+              <a:t>…</a:t>
+            </a:r>
+          </a:p>
+          <a:p>
+            <a:pPr marL="0" marR="0" lvl="0" indent="0" algn="l" defTabSz="914400" rtl="0" eaLnBrk="1" fontAlgn="auto" latinLnBrk="0" hangingPunct="1">
+              <a:lnSpc>
+                <a:spcPct val="100000"/>
+              </a:lnSpc>
+              <a:spcBef>
+                <a:spcPts val="0"/>
+              </a:spcBef>
+              <a:spcAft>
+                <a:spcPts val="0"/>
+              </a:spcAft>
+              <a:buClrTx/>
+              <a:buSzTx/>
+              <a:buFontTx/>
+              <a:buNone/>
+              <a:tabLst/>
+              <a:defRPr/>
+            </a:pPr>
+            <a:endParaRPr lang="en-US" dirty="0">
+              <a:solidFill>
+                <a:schemeClr val="accent4"/>
+              </a:solidFill>
+              <a:latin typeface="Arial" panose="020B0604020202020204" pitchFamily="34" charset="0"/>
+              <a:cs typeface="Arial" panose="020B0604020202020204" pitchFamily="34" charset="0"/>
+            </a:endParaRPr>
+          </a:p>
+          <a:p>
+            <a:r>
+              <a:rPr lang="en-US" dirty="0"/>
+              <a:t>7. Improved of a metric directly related to a business outcome or not</a:t>
+            </a:r>
+            <a:r>
+              <a:rPr lang="en-US" i="1" dirty="0"/>
+              <a:t> more than one or two levels removed from a business outcome. Thus, every product mode team is ideally a business KPI driven team</a:t>
+            </a:r>
+          </a:p>
+          <a:p>
+            <a:endParaRPr lang="en-US" i="1" dirty="0"/>
+          </a:p>
+          <a:p>
+            <a:r>
+              <a:rPr lang="en-US" i="1" dirty="0"/>
+              <a:t>8. Product mode works best when teams are organized to be </a:t>
+            </a:r>
+            <a:r>
+              <a:rPr lang="en-US" i="1" dirty="0" err="1"/>
+              <a:t>simultaneaously</a:t>
+            </a:r>
+            <a:r>
+              <a:rPr lang="en-US" i="1" dirty="0"/>
+              <a:t> aligned with business relevant capabilities and with enterprise architecture boundaries. Without business capabilities they loose alignment with business goals. Without enterprise architecture alignment, they loose out on autonomy, for instance the ability to evolve their system relatively independent of the others teams.</a:t>
+            </a:r>
+          </a:p>
+          <a:p>
+            <a:endParaRPr lang="en-US" i="1" dirty="0"/>
+          </a:p>
+          <a:p>
+            <a:pPr marL="0" marR="0" lvl="0" indent="0" algn="l" defTabSz="914400" rtl="0" eaLnBrk="1" fontAlgn="auto" latinLnBrk="0" hangingPunct="1">
+              <a:lnSpc>
+                <a:spcPct val="100000"/>
+              </a:lnSpc>
+              <a:spcBef>
+                <a:spcPts val="0"/>
+              </a:spcBef>
+              <a:spcAft>
+                <a:spcPts val="0"/>
+              </a:spcAft>
+              <a:buClrTx/>
+              <a:buSzTx/>
+              <a:buFontTx/>
+              <a:buNone/>
+              <a:tabLst/>
+              <a:defRPr/>
+            </a:pPr>
+            <a:r>
+              <a:rPr lang="en-US" i="1" dirty="0"/>
+              <a:t>10. </a:t>
+            </a:r>
+            <a:r>
+              <a:rPr lang="en-US" sz="1200" dirty="0">
+                <a:solidFill>
+                  <a:schemeClr val="accent4"/>
+                </a:solidFill>
+                <a:latin typeface="Arial" panose="020B0604020202020204" pitchFamily="34" charset="0"/>
+                <a:cs typeface="Arial" panose="020B0604020202020204" pitchFamily="34" charset="0"/>
+              </a:rPr>
+              <a:t>Allocating work ( features ) to teams instead of people to work. </a:t>
+            </a:r>
+            <a:r>
+              <a:rPr lang="en-US" sz="1200" dirty="0" err="1">
+                <a:solidFill>
+                  <a:schemeClr val="accent4"/>
+                </a:solidFill>
+                <a:latin typeface="Arial" panose="020B0604020202020204" pitchFamily="34" charset="0"/>
+                <a:cs typeface="Arial" panose="020B0604020202020204" pitchFamily="34" charset="0"/>
+              </a:rPr>
+              <a:t>Increaes</a:t>
+            </a:r>
+            <a:r>
+              <a:rPr lang="en-US" sz="1200" dirty="0">
+                <a:solidFill>
+                  <a:schemeClr val="accent4"/>
+                </a:solidFill>
+                <a:latin typeface="Arial" panose="020B0604020202020204" pitchFamily="34" charset="0"/>
+                <a:cs typeface="Arial" panose="020B0604020202020204" pitchFamily="34" charset="0"/>
+              </a:rPr>
+              <a:t> commitment ownership, velocity and morale. </a:t>
+            </a:r>
+          </a:p>
+          <a:p>
+            <a:endParaRPr lang="en-US" dirty="0"/>
           </a:p>
         </p:txBody>
       </p:sp>
@@ -936,7 +1415,7 @@
     </p:spTree>
     <p:extLst>
       <p:ext uri="{BB962C8B-B14F-4D97-AF65-F5344CB8AC3E}">
-        <p14:creationId xmlns:p14="http://schemas.microsoft.com/office/powerpoint/2010/main" val="2767067020"/>
+        <p14:creationId xmlns:p14="http://schemas.microsoft.com/office/powerpoint/2010/main" val="2129998613"/>
       </p:ext>
     </p:extLst>
   </p:cSld>
@@ -1637,7 +2116,159 @@
           <a:p>
             <a:r>
               <a:rPr lang="en-US" dirty="0"/>
+              <a:t>A Cohesive set of applications, components, and services that provide user value.</a:t>
+            </a:r>
+          </a:p>
+          <a:p>
+            <a:r>
+              <a:rPr lang="en-US" dirty="0"/>
+              <a:t>1- Things stick together. They belong together. They often change together.</a:t>
+            </a:r>
+          </a:p>
+          <a:p>
+            <a:r>
+              <a:rPr lang="en-US" dirty="0"/>
+              <a:t>2- Consist of 1 or mote of these things</a:t>
+            </a:r>
+          </a:p>
+          <a:p>
+            <a:r>
+              <a:rPr lang="en-US" dirty="0"/>
+              <a:t>3- Solves some problem. Ideally for a human.</a:t>
+            </a:r>
+          </a:p>
+        </p:txBody>
+      </p:sp>
+      <p:sp>
+        <p:nvSpPr>
+          <p:cNvPr id="4" name="Slide Number Placeholder 3"/>
+          <p:cNvSpPr>
+            <a:spLocks noGrp="1"/>
+          </p:cNvSpPr>
+          <p:nvPr>
+            <p:ph type="sldNum" sz="quarter" idx="5"/>
+          </p:nvPr>
+        </p:nvSpPr>
+        <p:spPr/>
+        <p:txBody>
+          <a:bodyPr/>
+          <a:lstStyle/>
+          <a:p>
+            <a:fld id="{AAFEE2B6-961E-4B89-9AD2-30FAB594CE91}" type="slidenum">
+              <a:rPr lang="en-US" smtClean="0"/>
+              <a:t>9</a:t>
+            </a:fld>
+            <a:endParaRPr lang="en-US"/>
+          </a:p>
+        </p:txBody>
+      </p:sp>
+    </p:spTree>
+    <p:extLst>
+      <p:ext uri="{BB962C8B-B14F-4D97-AF65-F5344CB8AC3E}">
+        <p14:creationId xmlns:p14="http://schemas.microsoft.com/office/powerpoint/2010/main" val="2785994274"/>
+      </p:ext>
+    </p:extLst>
+  </p:cSld>
+  <p:clrMapOvr>
+    <a:masterClrMapping/>
+  </p:clrMapOvr>
+</p:notes>
+</file>
+
+<file path=ppt/notesSlides/notesSlide8.xml><?xml version="1.0" encoding="utf-8"?>
+<p:notes xmlns:a="http://schemas.openxmlformats.org/drawingml/2006/main" xmlns:r="http://schemas.openxmlformats.org/officeDocument/2006/relationships" xmlns:p="http://schemas.openxmlformats.org/presentationml/2006/main">
+  <p:cSld>
+    <p:spTree>
+      <p:nvGrpSpPr>
+        <p:cNvPr id="1" name=""/>
+        <p:cNvGrpSpPr/>
+        <p:nvPr/>
+      </p:nvGrpSpPr>
+      <p:grpSpPr>
+        <a:xfrm>
+          <a:off x="0" y="0"/>
+          <a:ext cx="0" cy="0"/>
+          <a:chOff x="0" y="0"/>
+          <a:chExt cx="0" cy="0"/>
+        </a:xfrm>
+      </p:grpSpPr>
+      <p:sp>
+        <p:nvSpPr>
+          <p:cNvPr id="2" name="Slide Image Placeholder 1"/>
+          <p:cNvSpPr>
+            <a:spLocks noGrp="1" noRot="1" noChangeAspect="1"/>
+          </p:cNvSpPr>
+          <p:nvPr>
+            <p:ph type="sldImg"/>
+          </p:nvPr>
+        </p:nvSpPr>
+        <p:spPr/>
+      </p:sp>
+      <p:sp>
+        <p:nvSpPr>
+          <p:cNvPr id="3" name="Notes Placeholder 2"/>
+          <p:cNvSpPr>
+            <a:spLocks noGrp="1"/>
+          </p:cNvSpPr>
+          <p:nvPr>
+            <p:ph type="body" idx="1"/>
+          </p:nvPr>
+        </p:nvSpPr>
+        <p:spPr/>
+        <p:txBody>
+          <a:bodyPr/>
+          <a:lstStyle/>
+          <a:p>
+            <a:r>
+              <a:rPr lang="en-US" dirty="0"/>
               <a:t>Here to place some tipis about defining the product….  Like value stream mapping on business size, mapping the goals and dependencies……..  Including business or clients on this as well.</a:t>
+            </a:r>
+          </a:p>
+          <a:p>
+            <a:endParaRPr lang="en-US" dirty="0"/>
+          </a:p>
+          <a:p>
+            <a:pPr marL="228600" indent="-228600">
+              <a:buAutoNum type="arabicPeriod"/>
+            </a:pPr>
+            <a:r>
+              <a:rPr lang="en-US" dirty="0"/>
+              <a:t>Can I give it a customer centric name?</a:t>
+            </a:r>
+          </a:p>
+          <a:p>
+            <a:pPr marL="228600" indent="-228600">
+              <a:buAutoNum type="arabicPeriod"/>
+            </a:pPr>
+            <a:r>
+              <a:rPr lang="en-US" dirty="0"/>
+              <a:t>Could I bundle and sell it to someone?</a:t>
+            </a:r>
+          </a:p>
+          <a:p>
+            <a:pPr marL="228600" indent="-228600">
+              <a:buAutoNum type="arabicPeriod"/>
+            </a:pPr>
+            <a:r>
+              <a:rPr lang="en-US" dirty="0"/>
+              <a:t>Can it stand on its own? Can I make changes to it without strong </a:t>
+            </a:r>
+            <a:r>
+              <a:rPr lang="en-US" dirty="0" err="1"/>
+              <a:t>dependies</a:t>
+            </a:r>
+            <a:r>
+              <a:rPr lang="en-US" dirty="0"/>
+              <a:t> on other products?</a:t>
+            </a:r>
+          </a:p>
+          <a:p>
+            <a:pPr marL="228600" indent="-228600">
+              <a:buAutoNum type="arabicPeriod"/>
+            </a:pPr>
+            <a:r>
+              <a:rPr lang="en-US" dirty="0"/>
+              <a:t>What are the main customer goals it satisfies? Can I describe them in less than 2 sentences?</a:t>
             </a:r>
           </a:p>
         </p:txBody>
@@ -1678,7 +2309,7 @@
 </p:notes>
 </file>
 
-<file path=ppt/notesSlides/notesSlide8.xml><?xml version="1.0" encoding="utf-8"?>
+<file path=ppt/notesSlides/notesSlide9.xml><?xml version="1.0" encoding="utf-8"?>
 <p:notes xmlns:a="http://schemas.openxmlformats.org/drawingml/2006/main" xmlns:r="http://schemas.openxmlformats.org/officeDocument/2006/relationships" xmlns:p="http://schemas.openxmlformats.org/presentationml/2006/main">
   <p:cSld>
     <p:spTree>
@@ -1767,6 +2398,115 @@
               </a:rPr>
               <a:t>.</a:t>
             </a:r>
+          </a:p>
+          <a:p>
+            <a:endParaRPr lang="en-US" sz="1200" b="0" i="0" kern="1200" dirty="0">
+              <a:solidFill>
+                <a:schemeClr val="tx1"/>
+              </a:solidFill>
+              <a:effectLst/>
+              <a:latin typeface="+mn-lt"/>
+              <a:ea typeface="+mn-ea"/>
+              <a:cs typeface="+mn-cs"/>
+            </a:endParaRPr>
+          </a:p>
+          <a:p>
+            <a:pPr marL="0" marR="0" lvl="0" indent="0" algn="l" defTabSz="914400" rtl="0" eaLnBrk="1" fontAlgn="auto" latinLnBrk="0" hangingPunct="1">
+              <a:lnSpc>
+                <a:spcPct val="100000"/>
+              </a:lnSpc>
+              <a:spcBef>
+                <a:spcPts val="0"/>
+              </a:spcBef>
+              <a:spcAft>
+                <a:spcPts val="0"/>
+              </a:spcAft>
+              <a:buClrTx/>
+              <a:buSzTx/>
+              <a:buFontTx/>
+              <a:buNone/>
+              <a:tabLst/>
+              <a:defRPr/>
+            </a:pPr>
+            <a:r>
+              <a:rPr lang="en-US" sz="1200" b="0" i="0" kern="1200" dirty="0">
+                <a:solidFill>
+                  <a:schemeClr val="tx1"/>
+                </a:solidFill>
+                <a:effectLst/>
+                <a:latin typeface="+mn-lt"/>
+                <a:ea typeface="+mn-ea"/>
+                <a:cs typeface="+mn-cs"/>
+              </a:rPr>
+              <a:t>Product mode is a way of working. It is a way of funding and organizing software development that differs significantly from projects way of doing it. </a:t>
+            </a:r>
+            <a:r>
+              <a:rPr lang="en-US" sz="1200" b="0" i="0" kern="1200" dirty="0" err="1">
+                <a:solidFill>
+                  <a:schemeClr val="tx1"/>
+                </a:solidFill>
+                <a:effectLst/>
+                <a:latin typeface="+mn-lt"/>
+                <a:ea typeface="+mn-ea"/>
+                <a:cs typeface="+mn-cs"/>
+              </a:rPr>
+              <a:t>Althought</a:t>
+            </a:r>
+            <a:r>
+              <a:rPr lang="en-US" sz="1200" b="0" i="0" kern="1200" dirty="0">
+                <a:solidFill>
+                  <a:schemeClr val="tx1"/>
+                </a:solidFill>
+                <a:effectLst/>
+                <a:latin typeface="+mn-lt"/>
+                <a:ea typeface="+mn-ea"/>
+                <a:cs typeface="+mn-cs"/>
+              </a:rPr>
+              <a:t>  </a:t>
+            </a:r>
+            <a:r>
+              <a:rPr lang="en-US" sz="1200" b="0" i="0" kern="1200" dirty="0" err="1">
+                <a:solidFill>
+                  <a:schemeClr val="tx1"/>
+                </a:solidFill>
+                <a:effectLst/>
+                <a:latin typeface="+mn-lt"/>
+                <a:ea typeface="+mn-ea"/>
+                <a:cs typeface="+mn-cs"/>
+              </a:rPr>
+              <a:t>generaly</a:t>
+            </a:r>
+            <a:r>
+              <a:rPr lang="en-US" dirty="0"/>
+              <a:t> applicable to digital-age enterprise IT, this way of working is specially suited to those who aim to drive business though a digital platform. </a:t>
+            </a:r>
+          </a:p>
+          <a:p>
+            <a:endParaRPr lang="en-US" dirty="0"/>
+          </a:p>
+          <a:p>
+            <a:r>
+              <a:rPr lang="en-US" dirty="0"/>
+              <a:t>Traditional Project Management when applied to a complex software product is the art of wrong things right ( on time, in budget, and to scope). Agile Product Leadership is about accepting the plan is likely wrong or </a:t>
+            </a:r>
+            <a:r>
+              <a:rPr lang="en-US" dirty="0" err="1"/>
+              <a:t>ar</a:t>
+            </a:r>
+            <a:r>
+              <a:rPr lang="en-US" dirty="0"/>
+              <a:t> very least unclear and the scope is </a:t>
+            </a:r>
+            <a:r>
+              <a:rPr lang="en-US" dirty="0" err="1"/>
+              <a:t>unknonw</a:t>
+            </a:r>
+            <a:r>
+              <a:rPr lang="en-US" dirty="0"/>
+              <a:t>, and so adapting to change and building the right things to fulfil customers needs.</a:t>
+            </a:r>
+          </a:p>
+          <a:p>
             <a:endParaRPr lang="en-US" dirty="0"/>
           </a:p>
         </p:txBody>
@@ -1798,102 +2538,6 @@
     <p:extLst>
       <p:ext uri="{BB962C8B-B14F-4D97-AF65-F5344CB8AC3E}">
         <p14:creationId xmlns:p14="http://schemas.microsoft.com/office/powerpoint/2010/main" val="173603837"/>
-      </p:ext>
-    </p:extLst>
-  </p:cSld>
-  <p:clrMapOvr>
-    <a:masterClrMapping/>
-  </p:clrMapOvr>
-</p:notes>
-</file>
-
-<file path=ppt/notesSlides/notesSlide9.xml><?xml version="1.0" encoding="utf-8"?>
-<p:notes xmlns:a="http://schemas.openxmlformats.org/drawingml/2006/main" xmlns:r="http://schemas.openxmlformats.org/officeDocument/2006/relationships" xmlns:p="http://schemas.openxmlformats.org/presentationml/2006/main">
-  <p:cSld>
-    <p:spTree>
-      <p:nvGrpSpPr>
-        <p:cNvPr id="1" name=""/>
-        <p:cNvGrpSpPr/>
-        <p:nvPr/>
-      </p:nvGrpSpPr>
-      <p:grpSpPr>
-        <a:xfrm>
-          <a:off x="0" y="0"/>
-          <a:ext cx="0" cy="0"/>
-          <a:chOff x="0" y="0"/>
-          <a:chExt cx="0" cy="0"/>
-        </a:xfrm>
-      </p:grpSpPr>
-      <p:sp>
-        <p:nvSpPr>
-          <p:cNvPr id="2" name="Slide Image Placeholder 1"/>
-          <p:cNvSpPr>
-            <a:spLocks noGrp="1" noRot="1" noChangeAspect="1"/>
-          </p:cNvSpPr>
-          <p:nvPr>
-            <p:ph type="sldImg"/>
-          </p:nvPr>
-        </p:nvSpPr>
-        <p:spPr/>
-      </p:sp>
-      <p:sp>
-        <p:nvSpPr>
-          <p:cNvPr id="3" name="Notes Placeholder 2"/>
-          <p:cNvSpPr>
-            <a:spLocks noGrp="1"/>
-          </p:cNvSpPr>
-          <p:nvPr>
-            <p:ph type="body" idx="1"/>
-          </p:nvPr>
-        </p:nvSpPr>
-        <p:spPr/>
-        <p:txBody>
-          <a:bodyPr/>
-          <a:lstStyle/>
-          <a:p>
-            <a:r>
-              <a:rPr lang="en-US" sz="1200" b="0" i="0" kern="1200" dirty="0">
-                <a:solidFill>
-                  <a:schemeClr val="tx1"/>
-                </a:solidFill>
-                <a:effectLst/>
-                <a:latin typeface="+mn-lt"/>
-                <a:ea typeface="+mn-ea"/>
-                <a:cs typeface="+mn-cs"/>
-              </a:rPr>
-              <a:t>You can go from this waterfall world of projects, where again, you’re assuming that you know exactly what you should be delivering for years on end, to this flow orientation but measure the results of that flow orientation.</a:t>
-            </a:r>
-            <a:endParaRPr lang="en-US" dirty="0"/>
-          </a:p>
-        </p:txBody>
-      </p:sp>
-      <p:sp>
-        <p:nvSpPr>
-          <p:cNvPr id="4" name="Slide Number Placeholder 3"/>
-          <p:cNvSpPr>
-            <a:spLocks noGrp="1"/>
-          </p:cNvSpPr>
-          <p:nvPr>
-            <p:ph type="sldNum" sz="quarter" idx="5"/>
-          </p:nvPr>
-        </p:nvSpPr>
-        <p:spPr/>
-        <p:txBody>
-          <a:bodyPr/>
-          <a:lstStyle/>
-          <a:p>
-            <a:fld id="{AAFEE2B6-961E-4B89-9AD2-30FAB594CE91}" type="slidenum">
-              <a:rPr lang="en-US" smtClean="0"/>
-              <a:t>12</a:t>
-            </a:fld>
-            <a:endParaRPr lang="en-US"/>
-          </a:p>
-        </p:txBody>
-      </p:sp>
-    </p:spTree>
-    <p:extLst>
-      <p:ext uri="{BB962C8B-B14F-4D97-AF65-F5344CB8AC3E}">
-        <p14:creationId xmlns:p14="http://schemas.microsoft.com/office/powerpoint/2010/main" val="302118060"/>
       </p:ext>
     </p:extLst>
   </p:cSld>
@@ -2040,7 +2684,7 @@
           <a:p>
             <a:fld id="{2023E1CB-02FE-4B52-8CC6-FE219341CDC5}" type="datetimeFigureOut">
               <a:rPr lang="en-US" smtClean="0"/>
-              <a:t>10/2/19</a:t>
+              <a:t>10/3/19</a:t>
             </a:fld>
             <a:endParaRPr lang="en-US"/>
           </a:p>
@@ -2232,7 +2876,7 @@
           <a:p>
             <a:fld id="{2023E1CB-02FE-4B52-8CC6-FE219341CDC5}" type="datetimeFigureOut">
               <a:rPr lang="en-US" smtClean="0"/>
-              <a:t>10/2/19</a:t>
+              <a:t>10/3/19</a:t>
             </a:fld>
             <a:endParaRPr lang="en-US"/>
           </a:p>
@@ -2434,7 +3078,7 @@
           <a:p>
             <a:fld id="{2023E1CB-02FE-4B52-8CC6-FE219341CDC5}" type="datetimeFigureOut">
               <a:rPr lang="en-US" smtClean="0"/>
-              <a:t>10/2/19</a:t>
+              <a:t>10/3/19</a:t>
             </a:fld>
             <a:endParaRPr lang="en-US"/>
           </a:p>
@@ -2657,7 +3301,7 @@
           <a:p>
             <a:fld id="{2023E1CB-02FE-4B52-8CC6-FE219341CDC5}" type="datetimeFigureOut">
               <a:rPr lang="en-US" smtClean="0"/>
-              <a:t>10/2/19</a:t>
+              <a:t>10/3/19</a:t>
             </a:fld>
             <a:endParaRPr lang="en-US"/>
           </a:p>
@@ -2926,7 +3570,7 @@
           <a:p>
             <a:fld id="{2023E1CB-02FE-4B52-8CC6-FE219341CDC5}" type="datetimeFigureOut">
               <a:rPr lang="en-US" smtClean="0"/>
-              <a:t>10/2/19</a:t>
+              <a:t>10/3/19</a:t>
             </a:fld>
             <a:endParaRPr lang="en-US"/>
           </a:p>
@@ -3179,7 +3823,7 @@
           <a:p>
             <a:fld id="{2023E1CB-02FE-4B52-8CC6-FE219341CDC5}" type="datetimeFigureOut">
               <a:rPr lang="en-US" smtClean="0"/>
-              <a:t>10/2/19</a:t>
+              <a:t>10/3/19</a:t>
             </a:fld>
             <a:endParaRPr lang="en-US"/>
           </a:p>
@@ -3567,7 +4211,7 @@
           <a:p>
             <a:fld id="{2023E1CB-02FE-4B52-8CC6-FE219341CDC5}" type="datetimeFigureOut">
               <a:rPr lang="en-US" smtClean="0"/>
-              <a:t>10/2/19</a:t>
+              <a:t>10/3/19</a:t>
             </a:fld>
             <a:endParaRPr lang="en-US"/>
           </a:p>
@@ -3708,7 +4352,7 @@
           <a:p>
             <a:fld id="{2023E1CB-02FE-4B52-8CC6-FE219341CDC5}" type="datetimeFigureOut">
               <a:rPr lang="en-US" smtClean="0"/>
-              <a:t>10/2/19</a:t>
+              <a:t>10/3/19</a:t>
             </a:fld>
             <a:endParaRPr lang="en-US"/>
           </a:p>
@@ -3827,7 +4471,7 @@
           <a:p>
             <a:fld id="{2023E1CB-02FE-4B52-8CC6-FE219341CDC5}" type="datetimeFigureOut">
               <a:rPr lang="en-US" smtClean="0"/>
-              <a:t>10/2/19</a:t>
+              <a:t>10/3/19</a:t>
             </a:fld>
             <a:endParaRPr lang="en-US"/>
           </a:p>
@@ -4126,7 +4770,7 @@
           <a:p>
             <a:fld id="{2023E1CB-02FE-4B52-8CC6-FE219341CDC5}" type="datetimeFigureOut">
               <a:rPr lang="en-US" smtClean="0"/>
-              <a:t>10/2/19</a:t>
+              <a:t>10/3/19</a:t>
             </a:fld>
             <a:endParaRPr lang="en-US"/>
           </a:p>
@@ -4402,7 +5046,7 @@
           <a:p>
             <a:fld id="{2023E1CB-02FE-4B52-8CC6-FE219341CDC5}" type="datetimeFigureOut">
               <a:rPr lang="en-US" smtClean="0"/>
-              <a:t>10/2/19</a:t>
+              <a:t>10/3/19</a:t>
             </a:fld>
             <a:endParaRPr lang="en-US"/>
           </a:p>
@@ -5199,7 +5843,7 @@
           </a:ln>
           <a:extLst>
             <a:ext uri="{C572A759-6A51-4108-AA02-DFA0A04FC94B}">
-              <ma14:wrappingTextBoxFlag xmlns="" xmlns:ma14="http://schemas.microsoft.com/office/mac/drawingml/2011/main" val="1"/>
+              <ma14:wrappingTextBoxFlag xmlns:ma14="http://schemas.microsoft.com/office/mac/drawingml/2011/main" xmlns="" val="1"/>
             </a:ext>
           </a:extLst>
         </p:spPr>
@@ -5504,7 +6148,7 @@
           </a:ln>
           <a:extLst>
             <a:ext uri="{C572A759-6A51-4108-AA02-DFA0A04FC94B}">
-              <ma14:wrappingTextBoxFlag xmlns="" xmlns:ma14="http://schemas.microsoft.com/office/mac/drawingml/2011/main" val="1"/>
+              <ma14:wrappingTextBoxFlag xmlns:ma14="http://schemas.microsoft.com/office/mac/drawingml/2011/main" xmlns="" val="1"/>
             </a:ext>
           </a:extLst>
         </p:spPr>
@@ -5581,7 +6225,7 @@
           </a:ln>
           <a:extLst>
             <a:ext uri="{C572A759-6A51-4108-AA02-DFA0A04FC94B}">
-              <ma14:wrappingTextBoxFlag xmlns="" xmlns:ma14="http://schemas.microsoft.com/office/mac/drawingml/2011/main" val="1"/>
+              <ma14:wrappingTextBoxFlag xmlns:ma14="http://schemas.microsoft.com/office/mac/drawingml/2011/main" xmlns="" val="1"/>
             </a:ext>
           </a:extLst>
         </p:spPr>
@@ -5692,7 +6336,7 @@
           </a:ln>
           <a:extLst>
             <a:ext uri="{C572A759-6A51-4108-AA02-DFA0A04FC94B}">
-              <ma14:wrappingTextBoxFlag xmlns="" xmlns:ma14="http://schemas.microsoft.com/office/mac/drawingml/2011/main" val="1"/>
+              <ma14:wrappingTextBoxFlag xmlns:ma14="http://schemas.microsoft.com/office/mac/drawingml/2011/main" xmlns="" val="1"/>
             </a:ext>
           </a:extLst>
         </p:spPr>
@@ -6408,7 +7052,7 @@
           <a:effectLst/>
           <a:extLst>
             <a:ext uri="{C572A759-6A51-4108-AA02-DFA0A04FC94B}">
-              <ma14:wrappingTextBoxFlag xmlns="" xmlns:ma14="http://schemas.microsoft.com/office/mac/drawingml/2011/main" val="1"/>
+              <ma14:wrappingTextBoxFlag xmlns:ma14="http://schemas.microsoft.com/office/mac/drawingml/2011/main" xmlns="" val="1"/>
             </a:ext>
           </a:extLst>
         </p:spPr>
@@ -6467,7 +7111,7 @@
           <a:effectLst/>
           <a:extLst>
             <a:ext uri="{C572A759-6A51-4108-AA02-DFA0A04FC94B}">
-              <ma14:wrappingTextBoxFlag xmlns="" xmlns:ma14="http://schemas.microsoft.com/office/mac/drawingml/2011/main" val="1"/>
+              <ma14:wrappingTextBoxFlag xmlns:ma14="http://schemas.microsoft.com/office/mac/drawingml/2011/main" xmlns="" val="1"/>
             </a:ext>
           </a:extLst>
         </p:spPr>
@@ -6557,7 +7201,7 @@
           <a:effectLst/>
           <a:extLst>
             <a:ext uri="{C572A759-6A51-4108-AA02-DFA0A04FC94B}">
-              <ma14:wrappingTextBoxFlag xmlns="" xmlns:ma14="http://schemas.microsoft.com/office/mac/drawingml/2011/main" val="1"/>
+              <ma14:wrappingTextBoxFlag xmlns:ma14="http://schemas.microsoft.com/office/mac/drawingml/2011/main" xmlns="" val="1"/>
             </a:ext>
           </a:extLst>
         </p:spPr>
@@ -13740,8 +14384,8 @@
         </p:nvSpPr>
         <p:spPr>
           <a:xfrm>
-            <a:off x="429472" y="1685135"/>
-            <a:ext cx="5412189" cy="369332"/>
+            <a:off x="273692" y="2155724"/>
+            <a:ext cx="3053369" cy="646331"/>
           </a:xfrm>
           <a:prstGeom prst="rect">
             <a:avLst/>
@@ -13764,48 +14408,6 @@
                 <a:cs typeface="Arial" panose="020B0604020202020204" pitchFamily="34" charset="0"/>
               </a:rPr>
               <a:t>Thinking on outcome instead of output</a:t>
-            </a:r>
-          </a:p>
-        </p:txBody>
-      </p:sp>
-      <p:sp>
-        <p:nvSpPr>
-          <p:cNvPr id="5" name="TextBox 4">
-            <a:extLst>
-              <a:ext uri="{FF2B5EF4-FFF2-40B4-BE49-F238E27FC236}">
-                <a16:creationId xmlns:a16="http://schemas.microsoft.com/office/drawing/2014/main" id="{8DACD86A-EB2F-B045-9C18-66ED1BDB60AA}"/>
-              </a:ext>
-            </a:extLst>
-          </p:cNvPr>
-          <p:cNvSpPr txBox="1"/>
-          <p:nvPr/>
-        </p:nvSpPr>
-        <p:spPr>
-          <a:xfrm>
-            <a:off x="1409563" y="2337930"/>
-            <a:ext cx="5412189" cy="369332"/>
-          </a:xfrm>
-          <a:prstGeom prst="rect">
-            <a:avLst/>
-          </a:prstGeom>
-          <a:noFill/>
-        </p:spPr>
-        <p:txBody>
-          <a:bodyPr wrap="square" rtlCol="0">
-            <a:spAutoFit/>
-          </a:bodyPr>
-          <a:lstStyle/>
-          <a:p>
-            <a:pPr algn="ctr"/>
-            <a:r>
-              <a:rPr lang="en-US" dirty="0">
-                <a:solidFill>
-                  <a:schemeClr val="accent4"/>
-                </a:solidFill>
-                <a:latin typeface="Arial" panose="020B0604020202020204" pitchFamily="34" charset="0"/>
-                <a:cs typeface="Arial" panose="020B0604020202020204" pitchFamily="34" charset="0"/>
-              </a:rPr>
-              <a:t>Value stream mapping. Select the products and </a:t>
             </a:r>
           </a:p>
         </p:txBody>
@@ -14451,7 +15053,7 @@
         <p:spPr>
           <a:xfrm>
             <a:off x="2302886" y="4196257"/>
-            <a:ext cx="1076960" cy="646331"/>
+            <a:ext cx="1076960" cy="738664"/>
           </a:xfrm>
           <a:prstGeom prst="rect">
             <a:avLst/>
@@ -14466,8 +15068,8 @@
           <a:p>
             <a:pPr marL="0" lvl="2" algn="r"/>
             <a:r>
-              <a:rPr lang="en-US" sz="1200" dirty="0">
-                <a:latin typeface="Century Gothic"/>
+              <a:rPr lang="en-US" sz="1400" dirty="0">
+                <a:latin typeface="Arial Rounded MT Bold" panose="020F0704030504030204" pitchFamily="34" charset="77"/>
                 <a:cs typeface="Century Gothic"/>
               </a:rPr>
               <a:t>Value Stream Mapping</a:t>
@@ -14489,8 +15091,8 @@
         </p:nvSpPr>
         <p:spPr>
           <a:xfrm>
-            <a:off x="3552566" y="3495217"/>
-            <a:ext cx="955040" cy="461665"/>
+            <a:off x="3075668" y="2900943"/>
+            <a:ext cx="1378253" cy="954107"/>
           </a:xfrm>
           <a:prstGeom prst="rect">
             <a:avLst/>
@@ -14505,21 +15107,11 @@
           <a:p>
             <a:pPr marL="0" lvl="2" algn="r"/>
             <a:r>
-              <a:rPr lang="en-US" sz="1200" dirty="0">
-                <a:latin typeface="Century Gothic"/>
+              <a:rPr lang="en-US" sz="1400" dirty="0">
+                <a:latin typeface="Arial Rounded MT Bold" panose="020F0704030504030204" pitchFamily="34" charset="77"/>
                 <a:cs typeface="Century Gothic"/>
               </a:rPr>
-              <a:t>Budget </a:t>
-            </a:r>
-          </a:p>
-          <a:p>
-            <a:pPr marL="0" lvl="2" algn="r"/>
-            <a:r>
-              <a:rPr lang="en-US" sz="1200" dirty="0">
-                <a:latin typeface="Century Gothic"/>
-                <a:cs typeface="Century Gothic"/>
-              </a:rPr>
-              <a:t>limitations</a:t>
+              <a:t>Define products and supporting teams</a:t>
             </a:r>
           </a:p>
         </p:txBody>
@@ -14538,8 +15130,8 @@
         </p:nvSpPr>
         <p:spPr>
           <a:xfrm>
-            <a:off x="4629526" y="2865297"/>
-            <a:ext cx="1137920" cy="461665"/>
+            <a:off x="4373650" y="1937333"/>
+            <a:ext cx="1378253" cy="1169551"/>
           </a:xfrm>
           <a:prstGeom prst="rect">
             <a:avLst/>
@@ -14554,21 +15146,11 @@
           <a:p>
             <a:pPr marL="0" lvl="2" algn="r"/>
             <a:r>
-              <a:rPr lang="en-US" sz="1200" dirty="0">
-                <a:latin typeface="Century Gothic"/>
+              <a:rPr lang="en-US" sz="1400" dirty="0">
+                <a:latin typeface="Arial Rounded MT Bold" panose="020F0704030504030204" pitchFamily="34" charset="77"/>
                 <a:cs typeface="Century Gothic"/>
               </a:rPr>
-              <a:t>Availability </a:t>
-            </a:r>
-          </a:p>
-          <a:p>
-            <a:pPr marL="0" lvl="2" algn="r"/>
-            <a:r>
-              <a:rPr lang="en-US" sz="1200" dirty="0">
-                <a:latin typeface="Century Gothic"/>
-                <a:cs typeface="Century Gothic"/>
-              </a:rPr>
-              <a:t>of people</a:t>
+              <a:t>Define the product development process and roles </a:t>
             </a:r>
           </a:p>
         </p:txBody>
@@ -14587,8 +15169,8 @@
         </p:nvSpPr>
         <p:spPr>
           <a:xfrm>
-            <a:off x="5838566" y="5364657"/>
-            <a:ext cx="1076960" cy="461665"/>
+            <a:off x="5368867" y="5364657"/>
+            <a:ext cx="1546659" cy="954107"/>
           </a:xfrm>
           <a:prstGeom prst="rect">
             <a:avLst/>
@@ -14603,70 +15185,11 @@
           <a:p>
             <a:pPr marL="0" lvl="2" algn="r"/>
             <a:r>
-              <a:rPr lang="en-US" sz="1200" dirty="0">
-                <a:latin typeface="Century Gothic"/>
+              <a:rPr lang="en-US" sz="1400" dirty="0">
+                <a:latin typeface="Arial Rounded MT Bold" panose="020F0704030504030204" pitchFamily="34" charset="77"/>
                 <a:cs typeface="Century Gothic"/>
               </a:rPr>
-              <a:t>Return on </a:t>
-            </a:r>
-          </a:p>
-          <a:p>
-            <a:pPr marL="0" lvl="2" algn="r"/>
-            <a:r>
-              <a:rPr lang="en-US" sz="1200" dirty="0">
-                <a:latin typeface="Century Gothic"/>
-                <a:cs typeface="Century Gothic"/>
-              </a:rPr>
-              <a:t>investment</a:t>
-            </a:r>
-          </a:p>
-        </p:txBody>
-      </p:sp>
-      <p:sp>
-        <p:nvSpPr>
-          <p:cNvPr id="25" name="TextBox 24">
-            <a:extLst>
-              <a:ext uri="{FF2B5EF4-FFF2-40B4-BE49-F238E27FC236}">
-                <a16:creationId xmlns:a16="http://schemas.microsoft.com/office/drawing/2014/main" id="{CFA5CE37-27A2-814D-BB95-A8E023AC8F65}"/>
-              </a:ext>
-            </a:extLst>
-          </p:cNvPr>
-          <p:cNvSpPr txBox="1"/>
-          <p:nvPr/>
-        </p:nvSpPr>
-        <p:spPr>
-          <a:xfrm>
-            <a:off x="7220326" y="4824033"/>
-            <a:ext cx="955040" cy="461665"/>
-          </a:xfrm>
-          <a:prstGeom prst="rect">
-            <a:avLst/>
-          </a:prstGeom>
-          <a:noFill/>
-        </p:spPr>
-        <p:txBody>
-          <a:bodyPr wrap="square" rtlCol="0">
-            <a:spAutoFit/>
-          </a:bodyPr>
-          <a:lstStyle/>
-          <a:p>
-            <a:pPr marL="0" lvl="2" algn="r"/>
-            <a:r>
-              <a:rPr lang="en-US" sz="1200" dirty="0">
-                <a:latin typeface="Century Gothic"/>
-                <a:cs typeface="Century Gothic"/>
-              </a:rPr>
-              <a:t>Cost of </a:t>
-            </a:r>
-          </a:p>
-          <a:p>
-            <a:pPr marL="0" lvl="2" algn="r"/>
-            <a:r>
-              <a:rPr lang="en-US" sz="1200" dirty="0">
-                <a:latin typeface="Century Gothic"/>
-                <a:cs typeface="Century Gothic"/>
-              </a:rPr>
-              <a:t>delays</a:t>
+              <a:t>Change the funding process and feature teams</a:t>
             </a:r>
           </a:p>
         </p:txBody>
@@ -14685,8 +15208,8 @@
         </p:nvSpPr>
         <p:spPr>
           <a:xfrm>
-            <a:off x="8421878" y="4317307"/>
-            <a:ext cx="905309" cy="461665"/>
+            <a:off x="9399701" y="4304710"/>
+            <a:ext cx="1676075" cy="738664"/>
           </a:xfrm>
           <a:prstGeom prst="rect">
             <a:avLst/>
@@ -14699,23 +15222,13 @@
           </a:bodyPr>
           <a:lstStyle/>
           <a:p>
-            <a:pPr marL="0" lvl="2" algn="r"/>
+            <a:pPr marL="0" lvl="2"/>
             <a:r>
-              <a:rPr lang="en-US" sz="1200" dirty="0">
-                <a:latin typeface="Century Gothic"/>
+              <a:rPr lang="en-US" sz="1400" dirty="0">
+                <a:latin typeface="Arial Rounded MT Bold" panose="020F0704030504030204" pitchFamily="34" charset="77"/>
                 <a:cs typeface="Century Gothic"/>
               </a:rPr>
-              <a:t>Risk </a:t>
-            </a:r>
-          </a:p>
-          <a:p>
-            <a:pPr marL="0" lvl="2" algn="r"/>
-            <a:r>
-              <a:rPr lang="en-US" sz="1200" dirty="0">
-                <a:latin typeface="Century Gothic"/>
-                <a:cs typeface="Century Gothic"/>
-              </a:rPr>
-              <a:t>levels</a:t>
+              <a:t>Design your software solution accordingly</a:t>
             </a:r>
           </a:p>
         </p:txBody>
@@ -15408,7 +15921,7 @@
             <a:effectLst/>
             <a:extLst>
               <a:ext uri="{91240B29-F687-4f45-9708-019B960494DF}">
-                <a14:hiddenLine xmlns:a14="http://schemas.microsoft.com/office/drawing/2010/main" xmlns="" w="9525" cap="flat">
+                <a14:hiddenLine xmlns="" xmlns:a14="http://schemas.microsoft.com/office/drawing/2010/main" w="9525" cap="flat">
                   <a:solidFill>
                     <a:srgbClr val="808080"/>
                   </a:solidFill>
@@ -15418,7 +15931,7 @@
                 </a14:hiddenLine>
               </a:ext>
               <a:ext uri="{AF507438-7753-43e0-B8FC-AC1667EBCBE1}">
-                <a14:hiddenEffects xmlns:a14="http://schemas.microsoft.com/office/drawing/2010/main" xmlns="">
+                <a14:hiddenEffects xmlns="" xmlns:a14="http://schemas.microsoft.com/office/drawing/2010/main">
                   <a:effectLst>
                     <a:outerShdw blurRad="63500" dist="38099" dir="2700000" algn="ctr" rotWithShape="0">
                       <a:srgbClr val="000000">
@@ -19984,7 +20497,7 @@
             <a:effectLst/>
             <a:extLst>
               <a:ext uri="{91240B29-F687-4f45-9708-019B960494DF}">
-                <a14:hiddenLine xmlns:a14="http://schemas.microsoft.com/office/drawing/2010/main" xmlns="" w="9525" cap="flat">
+                <a14:hiddenLine xmlns="" xmlns:a14="http://schemas.microsoft.com/office/drawing/2010/main" w="9525" cap="flat">
                   <a:solidFill>
                     <a:srgbClr val="808080"/>
                   </a:solidFill>
@@ -19994,7 +20507,7 @@
                 </a14:hiddenLine>
               </a:ext>
               <a:ext uri="{AF507438-7753-43e0-B8FC-AC1667EBCBE1}">
-                <a14:hiddenEffects xmlns:a14="http://schemas.microsoft.com/office/drawing/2010/main" xmlns="">
+                <a14:hiddenEffects xmlns="" xmlns:a14="http://schemas.microsoft.com/office/drawing/2010/main">
                   <a:effectLst>
                     <a:outerShdw blurRad="63500" dist="38099" dir="2700000" algn="ctr" rotWithShape="0">
                       <a:srgbClr val="000000">
@@ -21115,7 +21628,7 @@
           <a:effectLst/>
           <a:extLst>
             <a:ext uri="{91240B29-F687-4f45-9708-019B960494DF}">
-              <a14:hiddenLine xmlns:a14="http://schemas.microsoft.com/office/drawing/2010/main" xmlns="" w="9525" cap="flat">
+              <a14:hiddenLine xmlns="" xmlns:a14="http://schemas.microsoft.com/office/drawing/2010/main" w="9525" cap="flat">
                 <a:solidFill>
                   <a:srgbClr val="808080"/>
                 </a:solidFill>
@@ -21125,7 +21638,7 @@
               </a14:hiddenLine>
             </a:ext>
             <a:ext uri="{AF507438-7753-43e0-B8FC-AC1667EBCBE1}">
-              <a14:hiddenEffects xmlns:a14="http://schemas.microsoft.com/office/drawing/2010/main" xmlns="">
+              <a14:hiddenEffects xmlns="" xmlns:a14="http://schemas.microsoft.com/office/drawing/2010/main">
                 <a:effectLst>
                   <a:outerShdw blurRad="63500" dist="38099" dir="2700000" algn="ctr" rotWithShape="0">
                     <a:srgbClr val="000000">
@@ -21145,6 +21658,45 @@
               <a:latin typeface="Century Gothic"/>
               <a:cs typeface="Century Gothic"/>
             </a:endParaRPr>
+          </a:p>
+        </p:txBody>
+      </p:sp>
+      <p:sp>
+        <p:nvSpPr>
+          <p:cNvPr id="44" name="TextBox 43">
+            <a:extLst>
+              <a:ext uri="{FF2B5EF4-FFF2-40B4-BE49-F238E27FC236}">
+                <a16:creationId xmlns:a16="http://schemas.microsoft.com/office/drawing/2014/main" id="{15C0C526-B051-774F-962D-3DDE7191C7E7}"/>
+              </a:ext>
+            </a:extLst>
+          </p:cNvPr>
+          <p:cNvSpPr txBox="1"/>
+          <p:nvPr/>
+        </p:nvSpPr>
+        <p:spPr>
+          <a:xfrm>
+            <a:off x="8168782" y="5061613"/>
+            <a:ext cx="1546659" cy="1384995"/>
+          </a:xfrm>
+          <a:prstGeom prst="rect">
+            <a:avLst/>
+          </a:prstGeom>
+          <a:noFill/>
+        </p:spPr>
+        <p:txBody>
+          <a:bodyPr wrap="square" rtlCol="0">
+            <a:spAutoFit/>
+          </a:bodyPr>
+          <a:lstStyle/>
+          <a:p>
+            <a:pPr marL="0" lvl="2"/>
+            <a:r>
+              <a:rPr lang="en-US" sz="1400" dirty="0">
+                <a:latin typeface="Arial Rounded MT Bold" panose="020F0704030504030204" pitchFamily="34" charset="77"/>
+                <a:cs typeface="Century Gothic"/>
+              </a:rPr>
+              <a:t>Build product pipeline with transparent prioritization process and metrics</a:t>
+            </a:r>
           </a:p>
         </p:txBody>
       </p:sp>
@@ -21916,59 +22468,24 @@
                                   </p:childTnLst>
                                 </p:cTn>
                               </p:par>
+                            </p:childTnLst>
+                          </p:cTn>
+                        </p:par>
+                        <p:par>
+                          <p:cTn id="68" fill="hold">
+                            <p:stCondLst>
+                              <p:cond delay="2250"/>
+                            </p:stCondLst>
+                            <p:childTnLst>
                               <p:par>
-                                <p:cTn id="68" presetID="10" presetClass="entr" presetSubtype="0" fill="hold" grpId="0" nodeType="withEffect">
+                                <p:cTn id="69" presetID="22" presetClass="entr" presetSubtype="8" fill="hold" grpId="0" nodeType="afterEffect">
                                   <p:stCondLst>
                                     <p:cond delay="0"/>
                                   </p:stCondLst>
                                   <p:childTnLst>
                                     <p:set>
                                       <p:cBhvr>
-                                        <p:cTn id="69" dur="1" fill="hold">
-                                          <p:stCondLst>
-                                            <p:cond delay="0"/>
-                                          </p:stCondLst>
-                                        </p:cTn>
-                                        <p:tgtEl>
-                                          <p:spTgt spid="25"/>
-                                        </p:tgtEl>
-                                        <p:attrNameLst>
-                                          <p:attrName>style.visibility</p:attrName>
-                                        </p:attrNameLst>
-                                      </p:cBhvr>
-                                      <p:to>
-                                        <p:strVal val="visible"/>
-                                      </p:to>
-                                    </p:set>
-                                    <p:animEffect transition="in" filter="fade">
-                                      <p:cBhvr>
-                                        <p:cTn id="70" dur="250"/>
-                                        <p:tgtEl>
-                                          <p:spTgt spid="25"/>
-                                        </p:tgtEl>
-                                      </p:cBhvr>
-                                    </p:animEffect>
-                                  </p:childTnLst>
-                                </p:cTn>
-                              </p:par>
-                            </p:childTnLst>
-                          </p:cTn>
-                        </p:par>
-                        <p:par>
-                          <p:cTn id="71" fill="hold">
-                            <p:stCondLst>
-                              <p:cond delay="2250"/>
-                            </p:stCondLst>
-                            <p:childTnLst>
-                              <p:par>
-                                <p:cTn id="72" presetID="22" presetClass="entr" presetSubtype="8" fill="hold" grpId="0" nodeType="afterEffect">
-                                  <p:stCondLst>
-                                    <p:cond delay="0"/>
-                                  </p:stCondLst>
-                                  <p:childTnLst>
-                                    <p:set>
-                                      <p:cBhvr>
-                                        <p:cTn id="73" dur="1" fill="hold">
+                                        <p:cTn id="70" dur="1" fill="hold">
                                           <p:stCondLst>
                                             <p:cond delay="0"/>
                                           </p:stCondLst>
@@ -21986,7 +22503,7 @@
                                     </p:set>
                                     <p:animEffect transition="in" filter="wipe(left)">
                                       <p:cBhvr>
-                                        <p:cTn id="74" dur="250"/>
+                                        <p:cTn id="71" dur="250"/>
                                         <p:tgtEl>
                                           <p:spTgt spid="6"/>
                                         </p:tgtEl>
@@ -21999,20 +22516,20 @@
                           </p:cTn>
                         </p:par>
                         <p:par>
-                          <p:cTn id="75" fill="hold">
+                          <p:cTn id="72" fill="hold">
                             <p:stCondLst>
                               <p:cond delay="2500"/>
                             </p:stCondLst>
                             <p:childTnLst>
                               <p:par>
-                                <p:cTn id="76" presetID="22" presetClass="entr" presetSubtype="1" fill="hold" nodeType="afterEffect">
+                                <p:cTn id="73" presetID="22" presetClass="entr" presetSubtype="1" fill="hold" nodeType="afterEffect">
                                   <p:stCondLst>
                                     <p:cond delay="0"/>
                                   </p:stCondLst>
                                   <p:childTnLst>
                                     <p:set>
                                       <p:cBhvr>
-                                        <p:cTn id="77" dur="1" fill="hold">
+                                        <p:cTn id="74" dur="1" fill="hold">
                                           <p:stCondLst>
                                             <p:cond delay="0"/>
                                           </p:stCondLst>
@@ -22030,9 +22547,44 @@
                                     </p:set>
                                     <p:animEffect transition="in" filter="wipe(up)">
                                       <p:cBhvr>
+                                        <p:cTn id="75" dur="250"/>
+                                        <p:tgtEl>
+                                          <p:spTgt spid="17"/>
+                                        </p:tgtEl>
+                                      </p:cBhvr>
+                                    </p:animEffect>
+                                  </p:childTnLst>
+                                </p:cTn>
+                              </p:par>
+                              <p:par>
+                                <p:cTn id="76" presetID="10" presetClass="entr" presetSubtype="0" fill="hold" grpId="0" nodeType="withEffect">
+                                  <p:stCondLst>
+                                    <p:cond delay="0"/>
+                                  </p:stCondLst>
+                                  <p:childTnLst>
+                                    <p:set>
+                                      <p:cBhvr>
+                                        <p:cTn id="77" dur="1" fill="hold">
+                                          <p:stCondLst>
+                                            <p:cond delay="0"/>
+                                          </p:stCondLst>
+                                        </p:cTn>
+                                        <p:tgtEl>
+                                          <p:spTgt spid="26"/>
+                                        </p:tgtEl>
+                                        <p:attrNameLst>
+                                          <p:attrName>style.visibility</p:attrName>
+                                        </p:attrNameLst>
+                                      </p:cBhvr>
+                                      <p:to>
+                                        <p:strVal val="visible"/>
+                                      </p:to>
+                                    </p:set>
+                                    <p:animEffect transition="in" filter="fade">
+                                      <p:cBhvr>
                                         <p:cTn id="78" dur="250"/>
                                         <p:tgtEl>
-                                          <p:spTgt spid="17"/>
+                                          <p:spTgt spid="26"/>
                                         </p:tgtEl>
                                       </p:cBhvr>
                                     </p:animEffect>
@@ -22053,7 +22605,7 @@
                                           </p:stCondLst>
                                         </p:cTn>
                                         <p:tgtEl>
-                                          <p:spTgt spid="26"/>
+                                          <p:spTgt spid="44"/>
                                         </p:tgtEl>
                                         <p:attrNameLst>
                                           <p:attrName>style.visibility</p:attrName>
@@ -22067,7 +22619,7 @@
                                       <p:cBhvr>
                                         <p:cTn id="81" dur="250"/>
                                         <p:tgtEl>
-                                          <p:spTgt spid="26"/>
+                                          <p:spTgt spid="44"/>
                                         </p:tgtEl>
                                       </p:cBhvr>
                                     </p:animEffect>
@@ -22111,8 +22663,8 @@
       <p:bldP spid="22" grpId="0"/>
       <p:bldP spid="23" grpId="0"/>
       <p:bldP spid="24" grpId="0"/>
-      <p:bldP spid="25" grpId="0"/>
       <p:bldP spid="26" grpId="0"/>
+      <p:bldP spid="44" grpId="0"/>
     </p:bldLst>
   </p:timing>
 </p:sld>
@@ -22605,6 +23157,916 @@
           </a:p>
         </p:txBody>
       </p:sp>
+      <p:sp>
+        <p:nvSpPr>
+          <p:cNvPr id="150" name="Teardrop 149">
+            <a:extLst>
+              <a:ext uri="{FF2B5EF4-FFF2-40B4-BE49-F238E27FC236}">
+                <a16:creationId xmlns:a16="http://schemas.microsoft.com/office/drawing/2014/main" id="{F3DB0882-3009-AF46-BBB2-B5BC5FAFA03A}"/>
+              </a:ext>
+            </a:extLst>
+          </p:cNvPr>
+          <p:cNvSpPr/>
+          <p:nvPr/>
+        </p:nvSpPr>
+        <p:spPr bwMode="auto">
+          <a:xfrm>
+            <a:off x="1520305" y="2058390"/>
+            <a:ext cx="890384" cy="704646"/>
+          </a:xfrm>
+          <a:prstGeom prst="teardrop">
+            <a:avLst/>
+          </a:prstGeom>
+          <a:solidFill>
+            <a:schemeClr val="accent1"/>
+          </a:solidFill>
+          <a:ln w="9525">
+            <a:noFill/>
+            <a:round/>
+            <a:headEnd/>
+            <a:tailEnd/>
+          </a:ln>
+        </p:spPr>
+        <p:txBody>
+          <a:bodyPr vert="horz" wrap="square" lIns="0" tIns="0" rIns="0" bIns="0" numCol="1" rtlCol="0" anchor="ctr" anchorCtr="0" compatLnSpc="1">
+            <a:prstTxWarp prst="textNoShape">
+              <a:avLst/>
+            </a:prstTxWarp>
+          </a:bodyPr>
+          <a:lstStyle/>
+          <a:p>
+            <a:pPr algn="ctr"/>
+            <a:r>
+              <a:rPr lang="en-US" b="1" dirty="0">
+                <a:solidFill>
+                  <a:schemeClr val="bg1"/>
+                </a:solidFill>
+              </a:rPr>
+              <a:t>1</a:t>
+            </a:r>
+          </a:p>
+        </p:txBody>
+      </p:sp>
+      <p:sp>
+        <p:nvSpPr>
+          <p:cNvPr id="152" name="Teardrop 151">
+            <a:extLst>
+              <a:ext uri="{FF2B5EF4-FFF2-40B4-BE49-F238E27FC236}">
+                <a16:creationId xmlns:a16="http://schemas.microsoft.com/office/drawing/2014/main" id="{E104A8F4-3C71-8D4B-9625-370636D5B995}"/>
+              </a:ext>
+            </a:extLst>
+          </p:cNvPr>
+          <p:cNvSpPr/>
+          <p:nvPr/>
+        </p:nvSpPr>
+        <p:spPr bwMode="auto">
+          <a:xfrm>
+            <a:off x="1520305" y="2865114"/>
+            <a:ext cx="890384" cy="704646"/>
+          </a:xfrm>
+          <a:prstGeom prst="teardrop">
+            <a:avLst/>
+          </a:prstGeom>
+          <a:solidFill>
+            <a:schemeClr val="accent2"/>
+          </a:solidFill>
+          <a:ln w="9525">
+            <a:noFill/>
+            <a:round/>
+            <a:headEnd/>
+            <a:tailEnd/>
+          </a:ln>
+        </p:spPr>
+        <p:txBody>
+          <a:bodyPr vert="horz" wrap="square" lIns="0" tIns="0" rIns="0" bIns="0" numCol="1" rtlCol="0" anchor="ctr" anchorCtr="0" compatLnSpc="1">
+            <a:prstTxWarp prst="textNoShape">
+              <a:avLst/>
+            </a:prstTxWarp>
+          </a:bodyPr>
+          <a:lstStyle/>
+          <a:p>
+            <a:pPr algn="ctr"/>
+            <a:r>
+              <a:rPr lang="en-US" b="1" dirty="0">
+                <a:solidFill>
+                  <a:schemeClr val="bg1"/>
+                </a:solidFill>
+              </a:rPr>
+              <a:t>2</a:t>
+            </a:r>
+          </a:p>
+        </p:txBody>
+      </p:sp>
+      <p:sp>
+        <p:nvSpPr>
+          <p:cNvPr id="154" name="Teardrop 153">
+            <a:extLst>
+              <a:ext uri="{FF2B5EF4-FFF2-40B4-BE49-F238E27FC236}">
+                <a16:creationId xmlns:a16="http://schemas.microsoft.com/office/drawing/2014/main" id="{83CC7293-A41A-4346-9851-420CF895E32D}"/>
+              </a:ext>
+            </a:extLst>
+          </p:cNvPr>
+          <p:cNvSpPr/>
+          <p:nvPr/>
+        </p:nvSpPr>
+        <p:spPr bwMode="auto">
+          <a:xfrm>
+            <a:off x="1520305" y="3699543"/>
+            <a:ext cx="890384" cy="704646"/>
+          </a:xfrm>
+          <a:prstGeom prst="teardrop">
+            <a:avLst/>
+          </a:prstGeom>
+          <a:solidFill>
+            <a:schemeClr val="accent3"/>
+          </a:solidFill>
+          <a:ln w="9525">
+            <a:noFill/>
+            <a:round/>
+            <a:headEnd/>
+            <a:tailEnd/>
+          </a:ln>
+        </p:spPr>
+        <p:txBody>
+          <a:bodyPr vert="horz" wrap="square" lIns="0" tIns="0" rIns="0" bIns="0" numCol="1" rtlCol="0" anchor="ctr" anchorCtr="0" compatLnSpc="1">
+            <a:prstTxWarp prst="textNoShape">
+              <a:avLst/>
+            </a:prstTxWarp>
+          </a:bodyPr>
+          <a:lstStyle/>
+          <a:p>
+            <a:pPr algn="ctr"/>
+            <a:r>
+              <a:rPr lang="en-US" b="1" dirty="0">
+                <a:solidFill>
+                  <a:schemeClr val="bg1"/>
+                </a:solidFill>
+              </a:rPr>
+              <a:t>3</a:t>
+            </a:r>
+          </a:p>
+        </p:txBody>
+      </p:sp>
+      <p:sp>
+        <p:nvSpPr>
+          <p:cNvPr id="156" name="Teardrop 155">
+            <a:extLst>
+              <a:ext uri="{FF2B5EF4-FFF2-40B4-BE49-F238E27FC236}">
+                <a16:creationId xmlns:a16="http://schemas.microsoft.com/office/drawing/2014/main" id="{7A27A99A-6834-244E-B478-36AB5B1157A8}"/>
+              </a:ext>
+            </a:extLst>
+          </p:cNvPr>
+          <p:cNvSpPr/>
+          <p:nvPr/>
+        </p:nvSpPr>
+        <p:spPr bwMode="auto">
+          <a:xfrm>
+            <a:off x="1520305" y="4506264"/>
+            <a:ext cx="890384" cy="704646"/>
+          </a:xfrm>
+          <a:prstGeom prst="teardrop">
+            <a:avLst/>
+          </a:prstGeom>
+          <a:solidFill>
+            <a:schemeClr val="accent4"/>
+          </a:solidFill>
+          <a:ln w="9525">
+            <a:noFill/>
+            <a:round/>
+            <a:headEnd/>
+            <a:tailEnd/>
+          </a:ln>
+        </p:spPr>
+        <p:txBody>
+          <a:bodyPr vert="horz" wrap="square" lIns="0" tIns="0" rIns="0" bIns="0" numCol="1" rtlCol="0" anchor="ctr" anchorCtr="0" compatLnSpc="1">
+            <a:prstTxWarp prst="textNoShape">
+              <a:avLst/>
+            </a:prstTxWarp>
+          </a:bodyPr>
+          <a:lstStyle/>
+          <a:p>
+            <a:pPr algn="ctr"/>
+            <a:r>
+              <a:rPr lang="en-US" b="1" dirty="0">
+                <a:solidFill>
+                  <a:schemeClr val="bg1"/>
+                </a:solidFill>
+              </a:rPr>
+              <a:t>4</a:t>
+            </a:r>
+          </a:p>
+        </p:txBody>
+      </p:sp>
+      <p:sp>
+        <p:nvSpPr>
+          <p:cNvPr id="158" name="Teardrop 157">
+            <a:extLst>
+              <a:ext uri="{FF2B5EF4-FFF2-40B4-BE49-F238E27FC236}">
+                <a16:creationId xmlns:a16="http://schemas.microsoft.com/office/drawing/2014/main" id="{0A18F467-DC10-2243-A1E7-280A24366C91}"/>
+              </a:ext>
+            </a:extLst>
+          </p:cNvPr>
+          <p:cNvSpPr/>
+          <p:nvPr/>
+        </p:nvSpPr>
+        <p:spPr bwMode="auto">
+          <a:xfrm>
+            <a:off x="1520305" y="5326843"/>
+            <a:ext cx="890384" cy="704646"/>
+          </a:xfrm>
+          <a:prstGeom prst="teardrop">
+            <a:avLst/>
+          </a:prstGeom>
+          <a:solidFill>
+            <a:schemeClr val="accent5"/>
+          </a:solidFill>
+          <a:ln w="9525">
+            <a:noFill/>
+            <a:round/>
+            <a:headEnd/>
+            <a:tailEnd/>
+          </a:ln>
+        </p:spPr>
+        <p:txBody>
+          <a:bodyPr vert="horz" wrap="square" lIns="0" tIns="0" rIns="0" bIns="0" numCol="1" rtlCol="0" anchor="ctr" anchorCtr="0" compatLnSpc="1">
+            <a:prstTxWarp prst="textNoShape">
+              <a:avLst/>
+            </a:prstTxWarp>
+          </a:bodyPr>
+          <a:lstStyle/>
+          <a:p>
+            <a:pPr algn="ctr"/>
+            <a:r>
+              <a:rPr lang="en-US" b="1" dirty="0">
+                <a:solidFill>
+                  <a:schemeClr val="bg1"/>
+                </a:solidFill>
+              </a:rPr>
+              <a:t>5</a:t>
+            </a:r>
+          </a:p>
+        </p:txBody>
+      </p:sp>
+      <p:sp>
+        <p:nvSpPr>
+          <p:cNvPr id="160" name="Teardrop 159">
+            <a:extLst>
+              <a:ext uri="{FF2B5EF4-FFF2-40B4-BE49-F238E27FC236}">
+                <a16:creationId xmlns:a16="http://schemas.microsoft.com/office/drawing/2014/main" id="{B26EF7C1-979C-2740-ABC5-D805C2739D67}"/>
+              </a:ext>
+            </a:extLst>
+          </p:cNvPr>
+          <p:cNvSpPr/>
+          <p:nvPr/>
+        </p:nvSpPr>
+        <p:spPr bwMode="auto">
+          <a:xfrm>
+            <a:off x="6341933" y="2072078"/>
+            <a:ext cx="890384" cy="704646"/>
+          </a:xfrm>
+          <a:prstGeom prst="teardrop">
+            <a:avLst/>
+          </a:prstGeom>
+          <a:solidFill>
+            <a:schemeClr val="accent6"/>
+          </a:solidFill>
+          <a:ln w="9525">
+            <a:noFill/>
+            <a:round/>
+            <a:headEnd/>
+            <a:tailEnd/>
+          </a:ln>
+        </p:spPr>
+        <p:txBody>
+          <a:bodyPr vert="horz" wrap="square" lIns="0" tIns="0" rIns="0" bIns="0" numCol="1" rtlCol="0" anchor="ctr" anchorCtr="0" compatLnSpc="1">
+            <a:prstTxWarp prst="textNoShape">
+              <a:avLst/>
+            </a:prstTxWarp>
+          </a:bodyPr>
+          <a:lstStyle/>
+          <a:p>
+            <a:pPr algn="ctr"/>
+            <a:r>
+              <a:rPr lang="en-US" b="1" dirty="0">
+                <a:solidFill>
+                  <a:schemeClr val="bg1"/>
+                </a:solidFill>
+              </a:rPr>
+              <a:t>6</a:t>
+            </a:r>
+          </a:p>
+        </p:txBody>
+      </p:sp>
+      <p:sp>
+        <p:nvSpPr>
+          <p:cNvPr id="162" name="Teardrop 161">
+            <a:extLst>
+              <a:ext uri="{FF2B5EF4-FFF2-40B4-BE49-F238E27FC236}">
+                <a16:creationId xmlns:a16="http://schemas.microsoft.com/office/drawing/2014/main" id="{AB03B38E-C1A6-9B44-BD3E-A8DFD9DAFB7D}"/>
+              </a:ext>
+            </a:extLst>
+          </p:cNvPr>
+          <p:cNvSpPr/>
+          <p:nvPr/>
+        </p:nvSpPr>
+        <p:spPr bwMode="auto">
+          <a:xfrm>
+            <a:off x="6341933" y="2884746"/>
+            <a:ext cx="890384" cy="704646"/>
+          </a:xfrm>
+          <a:prstGeom prst="teardrop">
+            <a:avLst/>
+          </a:prstGeom>
+          <a:solidFill>
+            <a:schemeClr val="accent1"/>
+          </a:solidFill>
+          <a:ln w="9525">
+            <a:noFill/>
+            <a:round/>
+            <a:headEnd/>
+            <a:tailEnd/>
+          </a:ln>
+        </p:spPr>
+        <p:txBody>
+          <a:bodyPr vert="horz" wrap="square" lIns="0" tIns="0" rIns="0" bIns="0" numCol="1" rtlCol="0" anchor="ctr" anchorCtr="0" compatLnSpc="1">
+            <a:prstTxWarp prst="textNoShape">
+              <a:avLst/>
+            </a:prstTxWarp>
+          </a:bodyPr>
+          <a:lstStyle/>
+          <a:p>
+            <a:pPr algn="ctr"/>
+            <a:r>
+              <a:rPr lang="en-US" b="1" dirty="0">
+                <a:solidFill>
+                  <a:schemeClr val="bg1"/>
+                </a:solidFill>
+              </a:rPr>
+              <a:t>7</a:t>
+            </a:r>
+          </a:p>
+        </p:txBody>
+      </p:sp>
+      <p:sp>
+        <p:nvSpPr>
+          <p:cNvPr id="164" name="Teardrop 163">
+            <a:extLst>
+              <a:ext uri="{FF2B5EF4-FFF2-40B4-BE49-F238E27FC236}">
+                <a16:creationId xmlns:a16="http://schemas.microsoft.com/office/drawing/2014/main" id="{0E87B769-760F-D843-A2FA-3BA49A2B600A}"/>
+              </a:ext>
+            </a:extLst>
+          </p:cNvPr>
+          <p:cNvSpPr/>
+          <p:nvPr/>
+        </p:nvSpPr>
+        <p:spPr bwMode="auto">
+          <a:xfrm>
+            <a:off x="6341933" y="3691470"/>
+            <a:ext cx="890384" cy="704646"/>
+          </a:xfrm>
+          <a:prstGeom prst="teardrop">
+            <a:avLst/>
+          </a:prstGeom>
+          <a:solidFill>
+            <a:schemeClr val="accent2"/>
+          </a:solidFill>
+          <a:ln w="9525">
+            <a:noFill/>
+            <a:round/>
+            <a:headEnd/>
+            <a:tailEnd/>
+          </a:ln>
+        </p:spPr>
+        <p:txBody>
+          <a:bodyPr vert="horz" wrap="square" lIns="0" tIns="0" rIns="0" bIns="0" numCol="1" rtlCol="0" anchor="ctr" anchorCtr="0" compatLnSpc="1">
+            <a:prstTxWarp prst="textNoShape">
+              <a:avLst/>
+            </a:prstTxWarp>
+          </a:bodyPr>
+          <a:lstStyle/>
+          <a:p>
+            <a:pPr algn="ctr"/>
+            <a:r>
+              <a:rPr lang="en-US" b="1" dirty="0">
+                <a:solidFill>
+                  <a:schemeClr val="bg1"/>
+                </a:solidFill>
+              </a:rPr>
+              <a:t>8</a:t>
+            </a:r>
+          </a:p>
+        </p:txBody>
+      </p:sp>
+      <p:sp>
+        <p:nvSpPr>
+          <p:cNvPr id="166" name="Teardrop 165">
+            <a:extLst>
+              <a:ext uri="{FF2B5EF4-FFF2-40B4-BE49-F238E27FC236}">
+                <a16:creationId xmlns:a16="http://schemas.microsoft.com/office/drawing/2014/main" id="{A3B99689-8E3C-D04F-BD5C-49D72013CC36}"/>
+              </a:ext>
+            </a:extLst>
+          </p:cNvPr>
+          <p:cNvSpPr/>
+          <p:nvPr/>
+        </p:nvSpPr>
+        <p:spPr bwMode="auto">
+          <a:xfrm>
+            <a:off x="6341933" y="4525899"/>
+            <a:ext cx="890384" cy="704646"/>
+          </a:xfrm>
+          <a:prstGeom prst="teardrop">
+            <a:avLst/>
+          </a:prstGeom>
+          <a:solidFill>
+            <a:schemeClr val="accent3"/>
+          </a:solidFill>
+          <a:ln w="9525">
+            <a:noFill/>
+            <a:round/>
+            <a:headEnd/>
+            <a:tailEnd/>
+          </a:ln>
+        </p:spPr>
+        <p:txBody>
+          <a:bodyPr vert="horz" wrap="square" lIns="0" tIns="0" rIns="0" bIns="0" numCol="1" rtlCol="0" anchor="ctr" anchorCtr="0" compatLnSpc="1">
+            <a:prstTxWarp prst="textNoShape">
+              <a:avLst/>
+            </a:prstTxWarp>
+          </a:bodyPr>
+          <a:lstStyle/>
+          <a:p>
+            <a:pPr algn="ctr"/>
+            <a:r>
+              <a:rPr lang="en-US" b="1" dirty="0">
+                <a:solidFill>
+                  <a:schemeClr val="bg1"/>
+                </a:solidFill>
+              </a:rPr>
+              <a:t>9</a:t>
+            </a:r>
+          </a:p>
+        </p:txBody>
+      </p:sp>
+      <p:sp>
+        <p:nvSpPr>
+          <p:cNvPr id="168" name="Teardrop 167">
+            <a:extLst>
+              <a:ext uri="{FF2B5EF4-FFF2-40B4-BE49-F238E27FC236}">
+                <a16:creationId xmlns:a16="http://schemas.microsoft.com/office/drawing/2014/main" id="{4EC6B064-277A-0F42-8D16-4E637A4F332A}"/>
+              </a:ext>
+            </a:extLst>
+          </p:cNvPr>
+          <p:cNvSpPr/>
+          <p:nvPr/>
+        </p:nvSpPr>
+        <p:spPr bwMode="auto">
+          <a:xfrm>
+            <a:off x="6341933" y="5332620"/>
+            <a:ext cx="890384" cy="704646"/>
+          </a:xfrm>
+          <a:prstGeom prst="teardrop">
+            <a:avLst/>
+          </a:prstGeom>
+          <a:solidFill>
+            <a:schemeClr val="accent4"/>
+          </a:solidFill>
+          <a:ln w="9525">
+            <a:noFill/>
+            <a:round/>
+            <a:headEnd/>
+            <a:tailEnd/>
+          </a:ln>
+        </p:spPr>
+        <p:txBody>
+          <a:bodyPr vert="horz" wrap="square" lIns="0" tIns="0" rIns="0" bIns="0" numCol="1" rtlCol="0" anchor="ctr" anchorCtr="0" compatLnSpc="1">
+            <a:prstTxWarp prst="textNoShape">
+              <a:avLst/>
+            </a:prstTxWarp>
+          </a:bodyPr>
+          <a:lstStyle/>
+          <a:p>
+            <a:pPr algn="ctr"/>
+            <a:r>
+              <a:rPr lang="en-US" b="1" dirty="0">
+                <a:solidFill>
+                  <a:schemeClr val="bg1"/>
+                </a:solidFill>
+              </a:rPr>
+              <a:t>10</a:t>
+            </a:r>
+          </a:p>
+        </p:txBody>
+      </p:sp>
+      <p:sp>
+        <p:nvSpPr>
+          <p:cNvPr id="173" name="TextBox 172">
+            <a:extLst>
+              <a:ext uri="{FF2B5EF4-FFF2-40B4-BE49-F238E27FC236}">
+                <a16:creationId xmlns:a16="http://schemas.microsoft.com/office/drawing/2014/main" id="{92F986E5-3513-3A47-850B-36529975FFCA}"/>
+              </a:ext>
+            </a:extLst>
+          </p:cNvPr>
+          <p:cNvSpPr txBox="1"/>
+          <p:nvPr/>
+        </p:nvSpPr>
+        <p:spPr>
+          <a:xfrm>
+            <a:off x="2540421" y="2175006"/>
+            <a:ext cx="3448200" cy="338554"/>
+          </a:xfrm>
+          <a:prstGeom prst="rect">
+            <a:avLst/>
+          </a:prstGeom>
+          <a:noFill/>
+        </p:spPr>
+        <p:txBody>
+          <a:bodyPr wrap="square" rtlCol="0">
+            <a:spAutoFit/>
+          </a:bodyPr>
+          <a:lstStyle/>
+          <a:p>
+            <a:r>
+              <a:rPr lang="en-US" sz="1600" dirty="0">
+                <a:solidFill>
+                  <a:schemeClr val="accent4"/>
+                </a:solidFill>
+                <a:latin typeface="Arial" panose="020B0604020202020204" pitchFamily="34" charset="0"/>
+                <a:cs typeface="Arial" panose="020B0604020202020204" pitchFamily="34" charset="0"/>
+              </a:rPr>
+              <a:t>Fund teams and not projects</a:t>
+            </a:r>
+          </a:p>
+        </p:txBody>
+      </p:sp>
+      <p:sp>
+        <p:nvSpPr>
+          <p:cNvPr id="174" name="TextBox 173">
+            <a:extLst>
+              <a:ext uri="{FF2B5EF4-FFF2-40B4-BE49-F238E27FC236}">
+                <a16:creationId xmlns:a16="http://schemas.microsoft.com/office/drawing/2014/main" id="{038FBB83-1EE8-C448-B336-0669CFC486BD}"/>
+              </a:ext>
+            </a:extLst>
+          </p:cNvPr>
+          <p:cNvSpPr txBox="1"/>
+          <p:nvPr/>
+        </p:nvSpPr>
+        <p:spPr>
+          <a:xfrm>
+            <a:off x="2540420" y="2937274"/>
+            <a:ext cx="3448200" cy="338554"/>
+          </a:xfrm>
+          <a:prstGeom prst="rect">
+            <a:avLst/>
+          </a:prstGeom>
+          <a:noFill/>
+        </p:spPr>
+        <p:txBody>
+          <a:bodyPr wrap="square" rtlCol="0">
+            <a:spAutoFit/>
+          </a:bodyPr>
+          <a:lstStyle/>
+          <a:p>
+            <a:r>
+              <a:rPr lang="en-US" sz="1600" dirty="0">
+                <a:solidFill>
+                  <a:schemeClr val="accent4"/>
+                </a:solidFill>
+                <a:latin typeface="Arial" panose="020B0604020202020204" pitchFamily="34" charset="0"/>
+                <a:cs typeface="Arial" panose="020B0604020202020204" pitchFamily="34" charset="0"/>
+              </a:rPr>
+              <a:t>Fund entire product lifecycle</a:t>
+            </a:r>
+          </a:p>
+        </p:txBody>
+      </p:sp>
+      <p:sp>
+        <p:nvSpPr>
+          <p:cNvPr id="175" name="TextBox 174">
+            <a:extLst>
+              <a:ext uri="{FF2B5EF4-FFF2-40B4-BE49-F238E27FC236}">
+                <a16:creationId xmlns:a16="http://schemas.microsoft.com/office/drawing/2014/main" id="{F7D55BAD-3D25-284B-8F9A-72C9F7A7A5AA}"/>
+              </a:ext>
+            </a:extLst>
+          </p:cNvPr>
+          <p:cNvSpPr txBox="1"/>
+          <p:nvPr/>
+        </p:nvSpPr>
+        <p:spPr>
+          <a:xfrm>
+            <a:off x="2521529" y="3700339"/>
+            <a:ext cx="3328540" cy="584775"/>
+          </a:xfrm>
+          <a:prstGeom prst="rect">
+            <a:avLst/>
+          </a:prstGeom>
+          <a:noFill/>
+        </p:spPr>
+        <p:txBody>
+          <a:bodyPr wrap="square" rtlCol="0">
+            <a:spAutoFit/>
+          </a:bodyPr>
+          <a:lstStyle/>
+          <a:p>
+            <a:r>
+              <a:rPr lang="en-US" sz="1600" dirty="0">
+                <a:solidFill>
+                  <a:schemeClr val="accent4"/>
+                </a:solidFill>
+                <a:latin typeface="Arial" panose="020B0604020202020204" pitchFamily="34" charset="0"/>
+                <a:cs typeface="Arial" panose="020B0604020202020204" pitchFamily="34" charset="0"/>
+              </a:rPr>
+              <a:t>Ideate, build and run as a single department</a:t>
+            </a:r>
+          </a:p>
+        </p:txBody>
+      </p:sp>
+      <p:sp>
+        <p:nvSpPr>
+          <p:cNvPr id="176" name="TextBox 175">
+            <a:extLst>
+              <a:ext uri="{FF2B5EF4-FFF2-40B4-BE49-F238E27FC236}">
+                <a16:creationId xmlns:a16="http://schemas.microsoft.com/office/drawing/2014/main" id="{090DA14D-A30F-1240-833E-7616D2133768}"/>
+              </a:ext>
+            </a:extLst>
+          </p:cNvPr>
+          <p:cNvSpPr txBox="1"/>
+          <p:nvPr/>
+        </p:nvSpPr>
+        <p:spPr>
+          <a:xfrm>
+            <a:off x="2540419" y="4493961"/>
+            <a:ext cx="3448200" cy="584775"/>
+          </a:xfrm>
+          <a:prstGeom prst="rect">
+            <a:avLst/>
+          </a:prstGeom>
+          <a:noFill/>
+        </p:spPr>
+        <p:txBody>
+          <a:bodyPr wrap="square" rtlCol="0">
+            <a:spAutoFit/>
+          </a:bodyPr>
+          <a:lstStyle/>
+          <a:p>
+            <a:r>
+              <a:rPr lang="en-US" sz="1600" dirty="0">
+                <a:solidFill>
+                  <a:schemeClr val="accent4"/>
+                </a:solidFill>
+                <a:latin typeface="Arial" panose="020B0604020202020204" pitchFamily="34" charset="0"/>
+                <a:cs typeface="Arial" panose="020B0604020202020204" pitchFamily="34" charset="0"/>
+              </a:rPr>
+              <a:t>Develop log lasting teams around purpose and ownership</a:t>
+            </a:r>
+          </a:p>
+        </p:txBody>
+      </p:sp>
+      <p:sp>
+        <p:nvSpPr>
+          <p:cNvPr id="177" name="TextBox 176">
+            <a:extLst>
+              <a:ext uri="{FF2B5EF4-FFF2-40B4-BE49-F238E27FC236}">
+                <a16:creationId xmlns:a16="http://schemas.microsoft.com/office/drawing/2014/main" id="{D54AFE76-6496-B44E-82E3-3BA3C699A3C8}"/>
+              </a:ext>
+            </a:extLst>
+          </p:cNvPr>
+          <p:cNvSpPr txBox="1"/>
+          <p:nvPr/>
+        </p:nvSpPr>
+        <p:spPr>
+          <a:xfrm>
+            <a:off x="2540419" y="5340736"/>
+            <a:ext cx="3448200" cy="584775"/>
+          </a:xfrm>
+          <a:prstGeom prst="rect">
+            <a:avLst/>
+          </a:prstGeom>
+          <a:noFill/>
+        </p:spPr>
+        <p:txBody>
+          <a:bodyPr wrap="square" rtlCol="0">
+            <a:spAutoFit/>
+          </a:bodyPr>
+          <a:lstStyle/>
+          <a:p>
+            <a:r>
+              <a:rPr lang="en-US" sz="1600" dirty="0">
+                <a:solidFill>
+                  <a:schemeClr val="accent4"/>
+                </a:solidFill>
+                <a:latin typeface="Arial" panose="020B0604020202020204" pitchFamily="34" charset="0"/>
+                <a:cs typeface="Arial" panose="020B0604020202020204" pitchFamily="34" charset="0"/>
+              </a:rPr>
+              <a:t>Visualize work with transparent product roadmap</a:t>
+            </a:r>
+          </a:p>
+        </p:txBody>
+      </p:sp>
+      <p:sp>
+        <p:nvSpPr>
+          <p:cNvPr id="178" name="TextBox 177">
+            <a:extLst>
+              <a:ext uri="{FF2B5EF4-FFF2-40B4-BE49-F238E27FC236}">
+                <a16:creationId xmlns:a16="http://schemas.microsoft.com/office/drawing/2014/main" id="{FE0B8EE3-477D-134E-B1B3-9480EE9206A6}"/>
+              </a:ext>
+            </a:extLst>
+          </p:cNvPr>
+          <p:cNvSpPr txBox="1"/>
+          <p:nvPr/>
+        </p:nvSpPr>
+        <p:spPr>
+          <a:xfrm>
+            <a:off x="7362047" y="2057342"/>
+            <a:ext cx="3448200" cy="584775"/>
+          </a:xfrm>
+          <a:prstGeom prst="rect">
+            <a:avLst/>
+          </a:prstGeom>
+          <a:noFill/>
+        </p:spPr>
+        <p:txBody>
+          <a:bodyPr wrap="square" rtlCol="0">
+            <a:spAutoFit/>
+          </a:bodyPr>
+          <a:lstStyle/>
+          <a:p>
+            <a:r>
+              <a:rPr lang="en-US" sz="1600" dirty="0">
+                <a:solidFill>
+                  <a:schemeClr val="accent4"/>
+                </a:solidFill>
+                <a:latin typeface="Arial" panose="020B0604020202020204" pitchFamily="34" charset="0"/>
+                <a:cs typeface="Arial" panose="020B0604020202020204" pitchFamily="34" charset="0"/>
+              </a:rPr>
+              <a:t>Attached value base metrics to validate business hypothesis</a:t>
+            </a:r>
+          </a:p>
+        </p:txBody>
+      </p:sp>
+      <p:sp>
+        <p:nvSpPr>
+          <p:cNvPr id="179" name="TextBox 178">
+            <a:extLst>
+              <a:ext uri="{FF2B5EF4-FFF2-40B4-BE49-F238E27FC236}">
+                <a16:creationId xmlns:a16="http://schemas.microsoft.com/office/drawing/2014/main" id="{7BEB3C17-C15B-FA42-9BA7-B995C9D21A80}"/>
+              </a:ext>
+            </a:extLst>
+          </p:cNvPr>
+          <p:cNvSpPr txBox="1"/>
+          <p:nvPr/>
+        </p:nvSpPr>
+        <p:spPr>
+          <a:xfrm>
+            <a:off x="7421811" y="2862862"/>
+            <a:ext cx="3448200" cy="584775"/>
+          </a:xfrm>
+          <a:prstGeom prst="rect">
+            <a:avLst/>
+          </a:prstGeom>
+          <a:noFill/>
+        </p:spPr>
+        <p:txBody>
+          <a:bodyPr wrap="square" rtlCol="0">
+            <a:spAutoFit/>
+          </a:bodyPr>
+          <a:lstStyle/>
+          <a:p>
+            <a:r>
+              <a:rPr lang="en-US" sz="1600" dirty="0">
+                <a:solidFill>
+                  <a:schemeClr val="accent4"/>
+                </a:solidFill>
+                <a:latin typeface="Arial" panose="020B0604020202020204" pitchFamily="34" charset="0"/>
+                <a:cs typeface="Arial" panose="020B0604020202020204" pitchFamily="34" charset="0"/>
+              </a:rPr>
+              <a:t>Define success and make it visible to everyone</a:t>
+            </a:r>
+          </a:p>
+        </p:txBody>
+      </p:sp>
+      <p:sp>
+        <p:nvSpPr>
+          <p:cNvPr id="180" name="TextBox 179">
+            <a:extLst>
+              <a:ext uri="{FF2B5EF4-FFF2-40B4-BE49-F238E27FC236}">
+                <a16:creationId xmlns:a16="http://schemas.microsoft.com/office/drawing/2014/main" id="{67B57B09-7D5B-2B48-8689-4FF2E3888B47}"/>
+              </a:ext>
+            </a:extLst>
+          </p:cNvPr>
+          <p:cNvSpPr txBox="1"/>
+          <p:nvPr/>
+        </p:nvSpPr>
+        <p:spPr>
+          <a:xfrm>
+            <a:off x="7421811" y="3654108"/>
+            <a:ext cx="3448200" cy="584775"/>
+          </a:xfrm>
+          <a:prstGeom prst="rect">
+            <a:avLst/>
+          </a:prstGeom>
+          <a:noFill/>
+        </p:spPr>
+        <p:txBody>
+          <a:bodyPr wrap="square" rtlCol="0">
+            <a:spAutoFit/>
+          </a:bodyPr>
+          <a:lstStyle/>
+          <a:p>
+            <a:r>
+              <a:rPr lang="en-US" sz="1600" dirty="0">
+                <a:solidFill>
+                  <a:schemeClr val="accent4"/>
+                </a:solidFill>
+                <a:latin typeface="Arial" panose="020B0604020202020204" pitchFamily="34" charset="0"/>
+                <a:cs typeface="Arial" panose="020B0604020202020204" pitchFamily="34" charset="0"/>
+              </a:rPr>
+              <a:t>Take “Conway’s law” seriously and make it work on your side</a:t>
+            </a:r>
+          </a:p>
+        </p:txBody>
+      </p:sp>
+      <p:sp>
+        <p:nvSpPr>
+          <p:cNvPr id="181" name="TextBox 180">
+            <a:extLst>
+              <a:ext uri="{FF2B5EF4-FFF2-40B4-BE49-F238E27FC236}">
+                <a16:creationId xmlns:a16="http://schemas.microsoft.com/office/drawing/2014/main" id="{3AB28124-6C8F-4E45-81A1-451EC8D478C2}"/>
+              </a:ext>
+            </a:extLst>
+          </p:cNvPr>
+          <p:cNvSpPr txBox="1"/>
+          <p:nvPr/>
+        </p:nvSpPr>
+        <p:spPr>
+          <a:xfrm>
+            <a:off x="7421811" y="4506264"/>
+            <a:ext cx="3741750" cy="584775"/>
+          </a:xfrm>
+          <a:prstGeom prst="rect">
+            <a:avLst/>
+          </a:prstGeom>
+          <a:noFill/>
+        </p:spPr>
+        <p:txBody>
+          <a:bodyPr wrap="square" rtlCol="0">
+            <a:spAutoFit/>
+          </a:bodyPr>
+          <a:lstStyle/>
+          <a:p>
+            <a:r>
+              <a:rPr lang="en-US" sz="1600" dirty="0">
+                <a:solidFill>
+                  <a:schemeClr val="accent4"/>
+                </a:solidFill>
+                <a:latin typeface="Arial" panose="020B0604020202020204" pitchFamily="34" charset="0"/>
+                <a:cs typeface="Arial" panose="020B0604020202020204" pitchFamily="34" charset="0"/>
+              </a:rPr>
+              <a:t>Design the tool network from the different tools used on product lifecycle</a:t>
+            </a:r>
+          </a:p>
+        </p:txBody>
+      </p:sp>
+      <p:sp>
+        <p:nvSpPr>
+          <p:cNvPr id="182" name="TextBox 181">
+            <a:extLst>
+              <a:ext uri="{FF2B5EF4-FFF2-40B4-BE49-F238E27FC236}">
+                <a16:creationId xmlns:a16="http://schemas.microsoft.com/office/drawing/2014/main" id="{8C9A68C3-0A63-044B-A9D7-8E3FE91CEA4C}"/>
+              </a:ext>
+            </a:extLst>
+          </p:cNvPr>
+          <p:cNvSpPr txBox="1"/>
+          <p:nvPr/>
+        </p:nvSpPr>
+        <p:spPr>
+          <a:xfrm>
+            <a:off x="7421810" y="5386778"/>
+            <a:ext cx="3616303" cy="584775"/>
+          </a:xfrm>
+          <a:prstGeom prst="rect">
+            <a:avLst/>
+          </a:prstGeom>
+          <a:noFill/>
+        </p:spPr>
+        <p:txBody>
+          <a:bodyPr wrap="square" rtlCol="0">
+            <a:spAutoFit/>
+          </a:bodyPr>
+          <a:lstStyle/>
+          <a:p>
+            <a:r>
+              <a:rPr lang="en-US" sz="1600" dirty="0">
+                <a:solidFill>
+                  <a:schemeClr val="accent4"/>
+                </a:solidFill>
+                <a:latin typeface="Arial" panose="020B0604020202020204" pitchFamily="34" charset="0"/>
+                <a:cs typeface="Arial" panose="020B0604020202020204" pitchFamily="34" charset="0"/>
+              </a:rPr>
+              <a:t>Allocating work ( features ) to teams instead of people to work.</a:t>
+            </a:r>
+          </a:p>
+        </p:txBody>
+      </p:sp>
     </p:spTree>
     <p:extLst>
       <p:ext uri="{BB962C8B-B14F-4D97-AF65-F5344CB8AC3E}">
@@ -22627,6 +24089,778 @@
       </p:transition>
     </mc:Fallback>
   </mc:AlternateContent>
+  <p:timing>
+    <p:tnLst>
+      <p:par>
+        <p:cTn id="1" dur="indefinite" restart="never" nodeType="tmRoot">
+          <p:childTnLst>
+            <p:seq concurrent="1" nextAc="seek">
+              <p:cTn id="2" dur="indefinite" nodeType="mainSeq">
+                <p:childTnLst>
+                  <p:par>
+                    <p:cTn id="3" fill="hold">
+                      <p:stCondLst>
+                        <p:cond delay="indefinite"/>
+                      </p:stCondLst>
+                      <p:childTnLst>
+                        <p:par>
+                          <p:cTn id="4" fill="hold">
+                            <p:stCondLst>
+                              <p:cond delay="0"/>
+                            </p:stCondLst>
+                            <p:childTnLst>
+                              <p:par>
+                                <p:cTn id="5" presetID="1" presetClass="entr" presetSubtype="0" fill="hold" grpId="0" nodeType="clickEffect">
+                                  <p:stCondLst>
+                                    <p:cond delay="0"/>
+                                  </p:stCondLst>
+                                  <p:childTnLst>
+                                    <p:set>
+                                      <p:cBhvr>
+                                        <p:cTn id="6" dur="1" fill="hold">
+                                          <p:stCondLst>
+                                            <p:cond delay="0"/>
+                                          </p:stCondLst>
+                                        </p:cTn>
+                                        <p:tgtEl>
+                                          <p:spTgt spid="150"/>
+                                        </p:tgtEl>
+                                        <p:attrNameLst>
+                                          <p:attrName>style.visibility</p:attrName>
+                                        </p:attrNameLst>
+                                      </p:cBhvr>
+                                      <p:to>
+                                        <p:strVal val="visible"/>
+                                      </p:to>
+                                    </p:set>
+                                  </p:childTnLst>
+                                </p:cTn>
+                              </p:par>
+                              <p:par>
+                                <p:cTn id="7" presetID="1" presetClass="entr" presetSubtype="0" fill="hold" grpId="0" nodeType="withEffect">
+                                  <p:stCondLst>
+                                    <p:cond delay="0"/>
+                                  </p:stCondLst>
+                                  <p:childTnLst>
+                                    <p:set>
+                                      <p:cBhvr>
+                                        <p:cTn id="8" dur="1" fill="hold">
+                                          <p:stCondLst>
+                                            <p:cond delay="0"/>
+                                          </p:stCondLst>
+                                        </p:cTn>
+                                        <p:tgtEl>
+                                          <p:spTgt spid="173"/>
+                                        </p:tgtEl>
+                                        <p:attrNameLst>
+                                          <p:attrName>style.visibility</p:attrName>
+                                        </p:attrNameLst>
+                                      </p:cBhvr>
+                                      <p:to>
+                                        <p:strVal val="visible"/>
+                                      </p:to>
+                                    </p:set>
+                                  </p:childTnLst>
+                                </p:cTn>
+                              </p:par>
+                            </p:childTnLst>
+                          </p:cTn>
+                        </p:par>
+                      </p:childTnLst>
+                    </p:cTn>
+                  </p:par>
+                  <p:par>
+                    <p:cTn id="9" fill="hold">
+                      <p:stCondLst>
+                        <p:cond delay="indefinite"/>
+                      </p:stCondLst>
+                      <p:childTnLst>
+                        <p:par>
+                          <p:cTn id="10" fill="hold">
+                            <p:stCondLst>
+                              <p:cond delay="0"/>
+                            </p:stCondLst>
+                            <p:childTnLst>
+                              <p:par>
+                                <p:cTn id="11" presetID="1" presetClass="entr" presetSubtype="0" fill="hold" grpId="0" nodeType="clickEffect">
+                                  <p:stCondLst>
+                                    <p:cond delay="0"/>
+                                  </p:stCondLst>
+                                  <p:childTnLst>
+                                    <p:set>
+                                      <p:cBhvr>
+                                        <p:cTn id="12" dur="1" fill="hold">
+                                          <p:stCondLst>
+                                            <p:cond delay="0"/>
+                                          </p:stCondLst>
+                                        </p:cTn>
+                                        <p:tgtEl>
+                                          <p:spTgt spid="152"/>
+                                        </p:tgtEl>
+                                        <p:attrNameLst>
+                                          <p:attrName>style.visibility</p:attrName>
+                                        </p:attrNameLst>
+                                      </p:cBhvr>
+                                      <p:to>
+                                        <p:strVal val="visible"/>
+                                      </p:to>
+                                    </p:set>
+                                  </p:childTnLst>
+                                </p:cTn>
+                              </p:par>
+                              <p:par>
+                                <p:cTn id="13" presetID="1" presetClass="entr" presetSubtype="0" fill="hold" grpId="0" nodeType="withEffect">
+                                  <p:stCondLst>
+                                    <p:cond delay="0"/>
+                                  </p:stCondLst>
+                                  <p:childTnLst>
+                                    <p:set>
+                                      <p:cBhvr>
+                                        <p:cTn id="14" dur="1" fill="hold">
+                                          <p:stCondLst>
+                                            <p:cond delay="0"/>
+                                          </p:stCondLst>
+                                        </p:cTn>
+                                        <p:tgtEl>
+                                          <p:spTgt spid="174"/>
+                                        </p:tgtEl>
+                                        <p:attrNameLst>
+                                          <p:attrName>style.visibility</p:attrName>
+                                        </p:attrNameLst>
+                                      </p:cBhvr>
+                                      <p:to>
+                                        <p:strVal val="visible"/>
+                                      </p:to>
+                                    </p:set>
+                                  </p:childTnLst>
+                                </p:cTn>
+                              </p:par>
+                            </p:childTnLst>
+                          </p:cTn>
+                        </p:par>
+                      </p:childTnLst>
+                    </p:cTn>
+                  </p:par>
+                  <p:par>
+                    <p:cTn id="15" fill="hold">
+                      <p:stCondLst>
+                        <p:cond delay="indefinite"/>
+                      </p:stCondLst>
+                      <p:childTnLst>
+                        <p:par>
+                          <p:cTn id="16" fill="hold">
+                            <p:stCondLst>
+                              <p:cond delay="0"/>
+                            </p:stCondLst>
+                            <p:childTnLst>
+                              <p:par>
+                                <p:cTn id="17" presetID="1" presetClass="entr" presetSubtype="0" fill="hold" grpId="0" nodeType="clickEffect">
+                                  <p:stCondLst>
+                                    <p:cond delay="0"/>
+                                  </p:stCondLst>
+                                  <p:childTnLst>
+                                    <p:set>
+                                      <p:cBhvr>
+                                        <p:cTn id="18" dur="1" fill="hold">
+                                          <p:stCondLst>
+                                            <p:cond delay="0"/>
+                                          </p:stCondLst>
+                                        </p:cTn>
+                                        <p:tgtEl>
+                                          <p:spTgt spid="154"/>
+                                        </p:tgtEl>
+                                        <p:attrNameLst>
+                                          <p:attrName>style.visibility</p:attrName>
+                                        </p:attrNameLst>
+                                      </p:cBhvr>
+                                      <p:to>
+                                        <p:strVal val="visible"/>
+                                      </p:to>
+                                    </p:set>
+                                  </p:childTnLst>
+                                </p:cTn>
+                              </p:par>
+                              <p:par>
+                                <p:cTn id="19" presetID="1" presetClass="entr" presetSubtype="0" fill="hold" grpId="0" nodeType="withEffect">
+                                  <p:stCondLst>
+                                    <p:cond delay="0"/>
+                                  </p:stCondLst>
+                                  <p:childTnLst>
+                                    <p:set>
+                                      <p:cBhvr>
+                                        <p:cTn id="20" dur="1" fill="hold">
+                                          <p:stCondLst>
+                                            <p:cond delay="0"/>
+                                          </p:stCondLst>
+                                        </p:cTn>
+                                        <p:tgtEl>
+                                          <p:spTgt spid="175"/>
+                                        </p:tgtEl>
+                                        <p:attrNameLst>
+                                          <p:attrName>style.visibility</p:attrName>
+                                        </p:attrNameLst>
+                                      </p:cBhvr>
+                                      <p:to>
+                                        <p:strVal val="visible"/>
+                                      </p:to>
+                                    </p:set>
+                                  </p:childTnLst>
+                                </p:cTn>
+                              </p:par>
+                            </p:childTnLst>
+                          </p:cTn>
+                        </p:par>
+                      </p:childTnLst>
+                    </p:cTn>
+                  </p:par>
+                  <p:par>
+                    <p:cTn id="21" fill="hold">
+                      <p:stCondLst>
+                        <p:cond delay="indefinite"/>
+                      </p:stCondLst>
+                      <p:childTnLst>
+                        <p:par>
+                          <p:cTn id="22" fill="hold">
+                            <p:stCondLst>
+                              <p:cond delay="0"/>
+                            </p:stCondLst>
+                            <p:childTnLst>
+                              <p:par>
+                                <p:cTn id="23" presetID="1" presetClass="entr" presetSubtype="0" fill="hold" grpId="0" nodeType="clickEffect">
+                                  <p:stCondLst>
+                                    <p:cond delay="0"/>
+                                  </p:stCondLst>
+                                  <p:childTnLst>
+                                    <p:set>
+                                      <p:cBhvr>
+                                        <p:cTn id="24" dur="1" fill="hold">
+                                          <p:stCondLst>
+                                            <p:cond delay="0"/>
+                                          </p:stCondLst>
+                                        </p:cTn>
+                                        <p:tgtEl>
+                                          <p:spTgt spid="156"/>
+                                        </p:tgtEl>
+                                        <p:attrNameLst>
+                                          <p:attrName>style.visibility</p:attrName>
+                                        </p:attrNameLst>
+                                      </p:cBhvr>
+                                      <p:to>
+                                        <p:strVal val="visible"/>
+                                      </p:to>
+                                    </p:set>
+                                  </p:childTnLst>
+                                </p:cTn>
+                              </p:par>
+                              <p:par>
+                                <p:cTn id="25" presetID="1" presetClass="entr" presetSubtype="0" fill="hold" grpId="0" nodeType="withEffect">
+                                  <p:stCondLst>
+                                    <p:cond delay="0"/>
+                                  </p:stCondLst>
+                                  <p:childTnLst>
+                                    <p:set>
+                                      <p:cBhvr>
+                                        <p:cTn id="26" dur="1" fill="hold">
+                                          <p:stCondLst>
+                                            <p:cond delay="0"/>
+                                          </p:stCondLst>
+                                        </p:cTn>
+                                        <p:tgtEl>
+                                          <p:spTgt spid="176"/>
+                                        </p:tgtEl>
+                                        <p:attrNameLst>
+                                          <p:attrName>style.visibility</p:attrName>
+                                        </p:attrNameLst>
+                                      </p:cBhvr>
+                                      <p:to>
+                                        <p:strVal val="visible"/>
+                                      </p:to>
+                                    </p:set>
+                                  </p:childTnLst>
+                                </p:cTn>
+                              </p:par>
+                            </p:childTnLst>
+                          </p:cTn>
+                        </p:par>
+                      </p:childTnLst>
+                    </p:cTn>
+                  </p:par>
+                  <p:par>
+                    <p:cTn id="27" fill="hold">
+                      <p:stCondLst>
+                        <p:cond delay="indefinite"/>
+                      </p:stCondLst>
+                      <p:childTnLst>
+                        <p:par>
+                          <p:cTn id="28" fill="hold">
+                            <p:stCondLst>
+                              <p:cond delay="0"/>
+                            </p:stCondLst>
+                            <p:childTnLst>
+                              <p:par>
+                                <p:cTn id="29" presetID="1" presetClass="entr" presetSubtype="0" fill="hold" grpId="0" nodeType="clickEffect">
+                                  <p:stCondLst>
+                                    <p:cond delay="0"/>
+                                  </p:stCondLst>
+                                  <p:childTnLst>
+                                    <p:set>
+                                      <p:cBhvr>
+                                        <p:cTn id="30" dur="1" fill="hold">
+                                          <p:stCondLst>
+                                            <p:cond delay="0"/>
+                                          </p:stCondLst>
+                                        </p:cTn>
+                                        <p:tgtEl>
+                                          <p:spTgt spid="158"/>
+                                        </p:tgtEl>
+                                        <p:attrNameLst>
+                                          <p:attrName>style.visibility</p:attrName>
+                                        </p:attrNameLst>
+                                      </p:cBhvr>
+                                      <p:to>
+                                        <p:strVal val="visible"/>
+                                      </p:to>
+                                    </p:set>
+                                  </p:childTnLst>
+                                </p:cTn>
+                              </p:par>
+                              <p:par>
+                                <p:cTn id="31" presetID="1" presetClass="entr" presetSubtype="0" fill="hold" grpId="0" nodeType="withEffect">
+                                  <p:stCondLst>
+                                    <p:cond delay="0"/>
+                                  </p:stCondLst>
+                                  <p:childTnLst>
+                                    <p:set>
+                                      <p:cBhvr>
+                                        <p:cTn id="32" dur="1" fill="hold">
+                                          <p:stCondLst>
+                                            <p:cond delay="0"/>
+                                          </p:stCondLst>
+                                        </p:cTn>
+                                        <p:tgtEl>
+                                          <p:spTgt spid="177"/>
+                                        </p:tgtEl>
+                                        <p:attrNameLst>
+                                          <p:attrName>style.visibility</p:attrName>
+                                        </p:attrNameLst>
+                                      </p:cBhvr>
+                                      <p:to>
+                                        <p:strVal val="visible"/>
+                                      </p:to>
+                                    </p:set>
+                                  </p:childTnLst>
+                                </p:cTn>
+                              </p:par>
+                            </p:childTnLst>
+                          </p:cTn>
+                        </p:par>
+                      </p:childTnLst>
+                    </p:cTn>
+                  </p:par>
+                  <p:par>
+                    <p:cTn id="33" fill="hold">
+                      <p:stCondLst>
+                        <p:cond delay="indefinite"/>
+                      </p:stCondLst>
+                      <p:childTnLst>
+                        <p:par>
+                          <p:cTn id="34" fill="hold">
+                            <p:stCondLst>
+                              <p:cond delay="0"/>
+                            </p:stCondLst>
+                            <p:childTnLst>
+                              <p:par>
+                                <p:cTn id="35" presetID="1" presetClass="entr" presetSubtype="0" fill="hold" grpId="0" nodeType="clickEffect">
+                                  <p:stCondLst>
+                                    <p:cond delay="0"/>
+                                  </p:stCondLst>
+                                  <p:childTnLst>
+                                    <p:set>
+                                      <p:cBhvr>
+                                        <p:cTn id="36" dur="1" fill="hold">
+                                          <p:stCondLst>
+                                            <p:cond delay="0"/>
+                                          </p:stCondLst>
+                                        </p:cTn>
+                                        <p:tgtEl>
+                                          <p:spTgt spid="160"/>
+                                        </p:tgtEl>
+                                        <p:attrNameLst>
+                                          <p:attrName>style.visibility</p:attrName>
+                                        </p:attrNameLst>
+                                      </p:cBhvr>
+                                      <p:to>
+                                        <p:strVal val="visible"/>
+                                      </p:to>
+                                    </p:set>
+                                  </p:childTnLst>
+                                </p:cTn>
+                              </p:par>
+                              <p:par>
+                                <p:cTn id="37" presetID="1" presetClass="entr" presetSubtype="0" fill="hold" grpId="0" nodeType="withEffect">
+                                  <p:stCondLst>
+                                    <p:cond delay="0"/>
+                                  </p:stCondLst>
+                                  <p:childTnLst>
+                                    <p:set>
+                                      <p:cBhvr>
+                                        <p:cTn id="38" dur="1" fill="hold">
+                                          <p:stCondLst>
+                                            <p:cond delay="0"/>
+                                          </p:stCondLst>
+                                        </p:cTn>
+                                        <p:tgtEl>
+                                          <p:spTgt spid="178"/>
+                                        </p:tgtEl>
+                                        <p:attrNameLst>
+                                          <p:attrName>style.visibility</p:attrName>
+                                        </p:attrNameLst>
+                                      </p:cBhvr>
+                                      <p:to>
+                                        <p:strVal val="visible"/>
+                                      </p:to>
+                                    </p:set>
+                                  </p:childTnLst>
+                                </p:cTn>
+                              </p:par>
+                            </p:childTnLst>
+                          </p:cTn>
+                        </p:par>
+                      </p:childTnLst>
+                    </p:cTn>
+                  </p:par>
+                  <p:par>
+                    <p:cTn id="39" fill="hold">
+                      <p:stCondLst>
+                        <p:cond delay="indefinite"/>
+                      </p:stCondLst>
+                      <p:childTnLst>
+                        <p:par>
+                          <p:cTn id="40" fill="hold">
+                            <p:stCondLst>
+                              <p:cond delay="0"/>
+                            </p:stCondLst>
+                            <p:childTnLst>
+                              <p:par>
+                                <p:cTn id="41" presetID="1" presetClass="entr" presetSubtype="0" fill="hold" grpId="0" nodeType="clickEffect">
+                                  <p:stCondLst>
+                                    <p:cond delay="0"/>
+                                  </p:stCondLst>
+                                  <p:childTnLst>
+                                    <p:set>
+                                      <p:cBhvr>
+                                        <p:cTn id="42" dur="1" fill="hold">
+                                          <p:stCondLst>
+                                            <p:cond delay="0"/>
+                                          </p:stCondLst>
+                                        </p:cTn>
+                                        <p:tgtEl>
+                                          <p:spTgt spid="162"/>
+                                        </p:tgtEl>
+                                        <p:attrNameLst>
+                                          <p:attrName>style.visibility</p:attrName>
+                                        </p:attrNameLst>
+                                      </p:cBhvr>
+                                      <p:to>
+                                        <p:strVal val="visible"/>
+                                      </p:to>
+                                    </p:set>
+                                  </p:childTnLst>
+                                </p:cTn>
+                              </p:par>
+                              <p:par>
+                                <p:cTn id="43" presetID="1" presetClass="entr" presetSubtype="0" fill="hold" grpId="0" nodeType="withEffect">
+                                  <p:stCondLst>
+                                    <p:cond delay="0"/>
+                                  </p:stCondLst>
+                                  <p:childTnLst>
+                                    <p:set>
+                                      <p:cBhvr>
+                                        <p:cTn id="44" dur="1" fill="hold">
+                                          <p:stCondLst>
+                                            <p:cond delay="0"/>
+                                          </p:stCondLst>
+                                        </p:cTn>
+                                        <p:tgtEl>
+                                          <p:spTgt spid="179"/>
+                                        </p:tgtEl>
+                                        <p:attrNameLst>
+                                          <p:attrName>style.visibility</p:attrName>
+                                        </p:attrNameLst>
+                                      </p:cBhvr>
+                                      <p:to>
+                                        <p:strVal val="visible"/>
+                                      </p:to>
+                                    </p:set>
+                                  </p:childTnLst>
+                                </p:cTn>
+                              </p:par>
+                            </p:childTnLst>
+                          </p:cTn>
+                        </p:par>
+                      </p:childTnLst>
+                    </p:cTn>
+                  </p:par>
+                  <p:par>
+                    <p:cTn id="45" fill="hold">
+                      <p:stCondLst>
+                        <p:cond delay="indefinite"/>
+                      </p:stCondLst>
+                      <p:childTnLst>
+                        <p:par>
+                          <p:cTn id="46" fill="hold">
+                            <p:stCondLst>
+                              <p:cond delay="0"/>
+                            </p:stCondLst>
+                            <p:childTnLst>
+                              <p:par>
+                                <p:cTn id="47" presetID="1" presetClass="entr" presetSubtype="0" fill="hold" grpId="0" nodeType="clickEffect">
+                                  <p:stCondLst>
+                                    <p:cond delay="0"/>
+                                  </p:stCondLst>
+                                  <p:childTnLst>
+                                    <p:set>
+                                      <p:cBhvr>
+                                        <p:cTn id="48" dur="1" fill="hold">
+                                          <p:stCondLst>
+                                            <p:cond delay="0"/>
+                                          </p:stCondLst>
+                                        </p:cTn>
+                                        <p:tgtEl>
+                                          <p:spTgt spid="164"/>
+                                        </p:tgtEl>
+                                        <p:attrNameLst>
+                                          <p:attrName>style.visibility</p:attrName>
+                                        </p:attrNameLst>
+                                      </p:cBhvr>
+                                      <p:to>
+                                        <p:strVal val="visible"/>
+                                      </p:to>
+                                    </p:set>
+                                  </p:childTnLst>
+                                </p:cTn>
+                              </p:par>
+                              <p:par>
+                                <p:cTn id="49" presetID="1" presetClass="entr" presetSubtype="0" fill="hold" grpId="0" nodeType="withEffect">
+                                  <p:stCondLst>
+                                    <p:cond delay="0"/>
+                                  </p:stCondLst>
+                                  <p:childTnLst>
+                                    <p:set>
+                                      <p:cBhvr>
+                                        <p:cTn id="50" dur="1" fill="hold">
+                                          <p:stCondLst>
+                                            <p:cond delay="0"/>
+                                          </p:stCondLst>
+                                        </p:cTn>
+                                        <p:tgtEl>
+                                          <p:spTgt spid="180"/>
+                                        </p:tgtEl>
+                                        <p:attrNameLst>
+                                          <p:attrName>style.visibility</p:attrName>
+                                        </p:attrNameLst>
+                                      </p:cBhvr>
+                                      <p:to>
+                                        <p:strVal val="visible"/>
+                                      </p:to>
+                                    </p:set>
+                                  </p:childTnLst>
+                                </p:cTn>
+                              </p:par>
+                            </p:childTnLst>
+                          </p:cTn>
+                        </p:par>
+                      </p:childTnLst>
+                    </p:cTn>
+                  </p:par>
+                  <p:par>
+                    <p:cTn id="51" fill="hold">
+                      <p:stCondLst>
+                        <p:cond delay="indefinite"/>
+                      </p:stCondLst>
+                      <p:childTnLst>
+                        <p:par>
+                          <p:cTn id="52" fill="hold">
+                            <p:stCondLst>
+                              <p:cond delay="0"/>
+                            </p:stCondLst>
+                            <p:childTnLst>
+                              <p:par>
+                                <p:cTn id="53" presetID="1" presetClass="entr" presetSubtype="0" fill="hold" grpId="0" nodeType="clickEffect">
+                                  <p:stCondLst>
+                                    <p:cond delay="0"/>
+                                  </p:stCondLst>
+                                  <p:childTnLst>
+                                    <p:set>
+                                      <p:cBhvr>
+                                        <p:cTn id="54" dur="1" fill="hold">
+                                          <p:stCondLst>
+                                            <p:cond delay="0"/>
+                                          </p:stCondLst>
+                                        </p:cTn>
+                                        <p:tgtEl>
+                                          <p:spTgt spid="166"/>
+                                        </p:tgtEl>
+                                        <p:attrNameLst>
+                                          <p:attrName>style.visibility</p:attrName>
+                                        </p:attrNameLst>
+                                      </p:cBhvr>
+                                      <p:to>
+                                        <p:strVal val="visible"/>
+                                      </p:to>
+                                    </p:set>
+                                  </p:childTnLst>
+                                </p:cTn>
+                              </p:par>
+                              <p:par>
+                                <p:cTn id="55" presetID="1" presetClass="entr" presetSubtype="0" fill="hold" grpId="0" nodeType="withEffect">
+                                  <p:stCondLst>
+                                    <p:cond delay="0"/>
+                                  </p:stCondLst>
+                                  <p:childTnLst>
+                                    <p:set>
+                                      <p:cBhvr>
+                                        <p:cTn id="56" dur="1" fill="hold">
+                                          <p:stCondLst>
+                                            <p:cond delay="0"/>
+                                          </p:stCondLst>
+                                        </p:cTn>
+                                        <p:tgtEl>
+                                          <p:spTgt spid="181"/>
+                                        </p:tgtEl>
+                                        <p:attrNameLst>
+                                          <p:attrName>style.visibility</p:attrName>
+                                        </p:attrNameLst>
+                                      </p:cBhvr>
+                                      <p:to>
+                                        <p:strVal val="visible"/>
+                                      </p:to>
+                                    </p:set>
+                                  </p:childTnLst>
+                                </p:cTn>
+                              </p:par>
+                            </p:childTnLst>
+                          </p:cTn>
+                        </p:par>
+                      </p:childTnLst>
+                    </p:cTn>
+                  </p:par>
+                  <p:par>
+                    <p:cTn id="57" fill="hold">
+                      <p:stCondLst>
+                        <p:cond delay="indefinite"/>
+                      </p:stCondLst>
+                      <p:childTnLst>
+                        <p:par>
+                          <p:cTn id="58" fill="hold">
+                            <p:stCondLst>
+                              <p:cond delay="0"/>
+                            </p:stCondLst>
+                            <p:childTnLst>
+                              <p:par>
+                                <p:cTn id="59" presetID="1" presetClass="entr" presetSubtype="0" fill="hold" grpId="0" nodeType="clickEffect">
+                                  <p:stCondLst>
+                                    <p:cond delay="0"/>
+                                  </p:stCondLst>
+                                  <p:childTnLst>
+                                    <p:set>
+                                      <p:cBhvr>
+                                        <p:cTn id="60" dur="1" fill="hold">
+                                          <p:stCondLst>
+                                            <p:cond delay="0"/>
+                                          </p:stCondLst>
+                                        </p:cTn>
+                                        <p:tgtEl>
+                                          <p:spTgt spid="168"/>
+                                        </p:tgtEl>
+                                        <p:attrNameLst>
+                                          <p:attrName>style.visibility</p:attrName>
+                                        </p:attrNameLst>
+                                      </p:cBhvr>
+                                      <p:to>
+                                        <p:strVal val="visible"/>
+                                      </p:to>
+                                    </p:set>
+                                  </p:childTnLst>
+                                </p:cTn>
+                              </p:par>
+                              <p:par>
+                                <p:cTn id="61" presetID="1" presetClass="entr" presetSubtype="0" fill="hold" grpId="0" nodeType="withEffect">
+                                  <p:stCondLst>
+                                    <p:cond delay="0"/>
+                                  </p:stCondLst>
+                                  <p:childTnLst>
+                                    <p:set>
+                                      <p:cBhvr>
+                                        <p:cTn id="62" dur="1" fill="hold">
+                                          <p:stCondLst>
+                                            <p:cond delay="0"/>
+                                          </p:stCondLst>
+                                        </p:cTn>
+                                        <p:tgtEl>
+                                          <p:spTgt spid="182"/>
+                                        </p:tgtEl>
+                                        <p:attrNameLst>
+                                          <p:attrName>style.visibility</p:attrName>
+                                        </p:attrNameLst>
+                                      </p:cBhvr>
+                                      <p:to>
+                                        <p:strVal val="visible"/>
+                                      </p:to>
+                                    </p:set>
+                                  </p:childTnLst>
+                                </p:cTn>
+                              </p:par>
+                            </p:childTnLst>
+                          </p:cTn>
+                        </p:par>
+                      </p:childTnLst>
+                    </p:cTn>
+                  </p:par>
+                </p:childTnLst>
+              </p:cTn>
+              <p:prevCondLst>
+                <p:cond evt="onPrev" delay="0">
+                  <p:tgtEl>
+                    <p:sldTgt/>
+                  </p:tgtEl>
+                </p:cond>
+              </p:prevCondLst>
+              <p:nextCondLst>
+                <p:cond evt="onNext" delay="0">
+                  <p:tgtEl>
+                    <p:sldTgt/>
+                  </p:tgtEl>
+                </p:cond>
+              </p:nextCondLst>
+            </p:seq>
+          </p:childTnLst>
+        </p:cTn>
+      </p:par>
+    </p:tnLst>
+    <p:bldLst>
+      <p:bldP spid="150" grpId="0" animBg="1"/>
+      <p:bldP spid="152" grpId="0" animBg="1"/>
+      <p:bldP spid="154" grpId="0" animBg="1"/>
+      <p:bldP spid="156" grpId="0" animBg="1"/>
+      <p:bldP spid="158" grpId="0" animBg="1"/>
+      <p:bldP spid="160" grpId="0" animBg="1"/>
+      <p:bldP spid="162" grpId="0" animBg="1"/>
+      <p:bldP spid="164" grpId="0" animBg="1"/>
+      <p:bldP spid="166" grpId="0" animBg="1"/>
+      <p:bldP spid="168" grpId="0" animBg="1"/>
+      <p:bldP spid="173" grpId="0"/>
+      <p:bldP spid="174" grpId="0"/>
+      <p:bldP spid="175" grpId="0"/>
+      <p:bldP spid="176" grpId="0"/>
+      <p:bldP spid="177" grpId="0"/>
+      <p:bldP spid="178" grpId="0"/>
+      <p:bldP spid="179" grpId="0"/>
+      <p:bldP spid="180" grpId="0"/>
+      <p:bldP spid="181" grpId="0"/>
+      <p:bldP spid="182" grpId="0"/>
+    </p:bldLst>
+  </p:timing>
 </p:sld>
 </file>
 
@@ -23099,10 +25333,10 @@
         </p:nvGrpSpPr>
         <p:grpSpPr>
           <a:xfrm>
-            <a:off x="2190945" y="3893949"/>
-            <a:ext cx="7208412" cy="2049646"/>
-            <a:chOff x="3649043" y="4350470"/>
-            <a:chExt cx="7208412" cy="2049646"/>
+            <a:off x="2160498" y="3893949"/>
+            <a:ext cx="7075353" cy="1489873"/>
+            <a:chOff x="3618596" y="4350470"/>
+            <a:chExt cx="7075353" cy="1489873"/>
           </a:xfrm>
         </p:grpSpPr>
         <p:sp>
@@ -23119,8 +25353,8 @@
           </p:nvSpPr>
           <p:spPr>
             <a:xfrm>
-              <a:off x="3649043" y="5459780"/>
-              <a:ext cx="1824538" cy="369332"/>
+              <a:off x="3618596" y="5459780"/>
+              <a:ext cx="1885453" cy="369332"/>
             </a:xfrm>
             <a:prstGeom prst="rect">
               <a:avLst/>
@@ -23143,8 +25377,29 @@
                   <a:latin typeface="Century Gothic" panose="020B0502020202020204" pitchFamily="34" charset="0"/>
                   <a:cs typeface="Arial" panose="020B0604020202020204" pitchFamily="34" charset="0"/>
                 </a:rPr>
-                <a:t>Technical Coach</a:t>
+                <a:t>Agile Delivery </a:t>
               </a:r>
+              <a:r>
+                <a:rPr lang="en-US" spc="-150" dirty="0" err="1">
+                  <a:solidFill>
+                    <a:schemeClr val="accent2">
+                      <a:lumMod val="75000"/>
+                    </a:schemeClr>
+                  </a:solidFill>
+                  <a:latin typeface="Century Gothic" panose="020B0502020202020204" pitchFamily="34" charset="0"/>
+                  <a:cs typeface="Arial" panose="020B0604020202020204" pitchFamily="34" charset="0"/>
+                </a:rPr>
+                <a:t>CoE</a:t>
+              </a:r>
+              <a:endParaRPr lang="en-US" spc="-150" dirty="0">
+                <a:solidFill>
+                  <a:schemeClr val="accent2">
+                    <a:lumMod val="75000"/>
+                  </a:schemeClr>
+                </a:solidFill>
+                <a:latin typeface="Century Gothic" panose="020B0502020202020204" pitchFamily="34" charset="0"/>
+                <a:cs typeface="Arial" panose="020B0604020202020204" pitchFamily="34" charset="0"/>
+              </a:endParaRPr>
             </a:p>
           </p:txBody>
         </p:sp>
@@ -23273,222 +25528,6 @@
                   <a:cs typeface="Arial" panose="020B0604020202020204" pitchFamily="34" charset="0"/>
                 </a:rPr>
                 <a:t>Adventurer</a:t>
-              </a:r>
-            </a:p>
-          </p:txBody>
-        </p:sp>
-        <p:sp>
-          <p:nvSpPr>
-            <p:cNvPr id="21" name="Rectangle 20">
-              <a:extLst>
-                <a:ext uri="{FF2B5EF4-FFF2-40B4-BE49-F238E27FC236}">
-                  <a16:creationId xmlns:a16="http://schemas.microsoft.com/office/drawing/2014/main" id="{5D634B13-9D47-0A42-92DA-3ECE006629BE}"/>
-                </a:ext>
-              </a:extLst>
-            </p:cNvPr>
-            <p:cNvSpPr/>
-            <p:nvPr/>
-          </p:nvSpPr>
-          <p:spPr>
-            <a:xfrm>
-              <a:off x="3725988" y="5927220"/>
-              <a:ext cx="1670650" cy="461665"/>
-            </a:xfrm>
-            <a:prstGeom prst="rect">
-              <a:avLst/>
-            </a:prstGeom>
-          </p:spPr>
-          <p:txBody>
-            <a:bodyPr wrap="none">
-              <a:spAutoFit/>
-            </a:bodyPr>
-            <a:lstStyle/>
-            <a:p>
-              <a:pPr algn="ctr"/>
-              <a:r>
-                <a:rPr lang="en-US" sz="1200" dirty="0">
-                  <a:solidFill>
-                    <a:schemeClr val="bg1"/>
-                  </a:solidFill>
-                  <a:latin typeface="Century Gothic" panose="020B0502020202020204" pitchFamily="34" charset="0"/>
-                  <a:cs typeface="Arial" panose="020B0604020202020204" pitchFamily="34" charset="0"/>
-                </a:rPr>
-                <a:t>IT Services </a:t>
-              </a:r>
-            </a:p>
-            <a:p>
-              <a:pPr algn="ctr"/>
-              <a:r>
-                <a:rPr lang="en-US" sz="1200" dirty="0">
-                  <a:solidFill>
-                    <a:schemeClr val="bg1"/>
-                  </a:solidFill>
-                  <a:latin typeface="Century Gothic" panose="020B0502020202020204" pitchFamily="34" charset="0"/>
-                  <a:cs typeface="Arial" panose="020B0604020202020204" pitchFamily="34" charset="0"/>
-                </a:rPr>
-                <a:t>Principal Consultant</a:t>
-              </a:r>
-            </a:p>
-          </p:txBody>
-        </p:sp>
-        <p:sp>
-          <p:nvSpPr>
-            <p:cNvPr id="22" name="Rectangle 21">
-              <a:extLst>
-                <a:ext uri="{FF2B5EF4-FFF2-40B4-BE49-F238E27FC236}">
-                  <a16:creationId xmlns:a16="http://schemas.microsoft.com/office/drawing/2014/main" id="{033EA28E-DFDC-824C-8CF7-B44EC29A6C28}"/>
-                </a:ext>
-              </a:extLst>
-            </p:cNvPr>
-            <p:cNvSpPr/>
-            <p:nvPr/>
-          </p:nvSpPr>
-          <p:spPr>
-            <a:xfrm>
-              <a:off x="5934465" y="5938451"/>
-              <a:ext cx="1212190" cy="461665"/>
-            </a:xfrm>
-            <a:prstGeom prst="rect">
-              <a:avLst/>
-            </a:prstGeom>
-          </p:spPr>
-          <p:txBody>
-            <a:bodyPr wrap="none">
-              <a:spAutoFit/>
-            </a:bodyPr>
-            <a:lstStyle/>
-            <a:p>
-              <a:pPr algn="ctr"/>
-              <a:r>
-                <a:rPr lang="en-US" sz="1200" dirty="0">
-                  <a:solidFill>
-                    <a:schemeClr val="bg1"/>
-                  </a:solidFill>
-                  <a:latin typeface="Century Gothic" panose="020B0502020202020204" pitchFamily="34" charset="0"/>
-                  <a:cs typeface="Arial" panose="020B0604020202020204" pitchFamily="34" charset="0"/>
-                </a:rPr>
-                <a:t>20+ years </a:t>
-              </a:r>
-            </a:p>
-            <a:p>
-              <a:pPr algn="ctr"/>
-              <a:r>
-                <a:rPr lang="en-US" sz="1200" dirty="0">
-                  <a:solidFill>
-                    <a:schemeClr val="bg1"/>
-                  </a:solidFill>
-                  <a:latin typeface="Century Gothic" panose="020B0502020202020204" pitchFamily="34" charset="0"/>
-                  <a:cs typeface="Arial" panose="020B0604020202020204" pitchFamily="34" charset="0"/>
-                </a:rPr>
-                <a:t>In the industry</a:t>
-              </a:r>
-            </a:p>
-          </p:txBody>
-        </p:sp>
-        <p:sp>
-          <p:nvSpPr>
-            <p:cNvPr id="23" name="Rectangle 22">
-              <a:extLst>
-                <a:ext uri="{FF2B5EF4-FFF2-40B4-BE49-F238E27FC236}">
-                  <a16:creationId xmlns:a16="http://schemas.microsoft.com/office/drawing/2014/main" id="{C465A33C-7EF2-4B4F-AA90-BB17BE2E3E97}"/>
-                </a:ext>
-              </a:extLst>
-            </p:cNvPr>
-            <p:cNvSpPr/>
-            <p:nvPr/>
-          </p:nvSpPr>
-          <p:spPr>
-            <a:xfrm>
-              <a:off x="7564569" y="5938451"/>
-              <a:ext cx="1398139" cy="461665"/>
-            </a:xfrm>
-            <a:prstGeom prst="rect">
-              <a:avLst/>
-            </a:prstGeom>
-          </p:spPr>
-          <p:txBody>
-            <a:bodyPr wrap="none">
-              <a:spAutoFit/>
-            </a:bodyPr>
-            <a:lstStyle/>
-            <a:p>
-              <a:pPr algn="ctr"/>
-              <a:r>
-                <a:rPr lang="en-US" sz="1200" dirty="0">
-                  <a:solidFill>
-                    <a:schemeClr val="bg1"/>
-                  </a:solidFill>
-                  <a:latin typeface="Century Gothic" panose="020B0502020202020204" pitchFamily="34" charset="0"/>
-                  <a:cs typeface="Arial" panose="020B0604020202020204" pitchFamily="34" charset="0"/>
-                </a:rPr>
-                <a:t>Licensed for kids</a:t>
-              </a:r>
-            </a:p>
-            <a:p>
-              <a:pPr algn="ctr"/>
-              <a:r>
-                <a:rPr lang="en-US" sz="1200" dirty="0">
-                  <a:solidFill>
-                    <a:schemeClr val="bg1"/>
-                  </a:solidFill>
-                  <a:latin typeface="Century Gothic" panose="020B0502020202020204" pitchFamily="34" charset="0"/>
-                  <a:cs typeface="Arial" panose="020B0604020202020204" pitchFamily="34" charset="0"/>
-                </a:rPr>
-                <a:t>U10 - U16</a:t>
-              </a:r>
-            </a:p>
-          </p:txBody>
-        </p:sp>
-        <p:sp>
-          <p:nvSpPr>
-            <p:cNvPr id="24" name="Rectangle 23">
-              <a:extLst>
-                <a:ext uri="{FF2B5EF4-FFF2-40B4-BE49-F238E27FC236}">
-                  <a16:creationId xmlns:a16="http://schemas.microsoft.com/office/drawing/2014/main" id="{163BFC40-0A55-484A-A013-C2ADF34B2389}"/>
-                </a:ext>
-              </a:extLst>
-            </p:cNvPr>
-            <p:cNvSpPr/>
-            <p:nvPr/>
-          </p:nvSpPr>
-          <p:spPr>
-            <a:xfrm>
-              <a:off x="9425653" y="5885336"/>
-              <a:ext cx="1431802" cy="461665"/>
-            </a:xfrm>
-            <a:prstGeom prst="rect">
-              <a:avLst/>
-            </a:prstGeom>
-          </p:spPr>
-          <p:txBody>
-            <a:bodyPr wrap="none">
-              <a:spAutoFit/>
-            </a:bodyPr>
-            <a:lstStyle/>
-            <a:p>
-              <a:pPr algn="ctr"/>
-              <a:r>
-                <a:rPr lang="en-US" sz="1200" dirty="0">
-                  <a:solidFill>
-                    <a:schemeClr val="bg1"/>
-                  </a:solidFill>
-                  <a:latin typeface="Century Gothic" panose="020B0502020202020204" pitchFamily="34" charset="0"/>
-                  <a:cs typeface="Arial" panose="020B0604020202020204" pitchFamily="34" charset="0"/>
-                </a:rPr>
-                <a:t>Meyers Briggs </a:t>
-              </a:r>
-            </a:p>
-            <a:p>
-              <a:pPr algn="ctr"/>
-              <a:r>
-                <a:rPr lang="en-US" sz="1200" dirty="0">
-                  <a:solidFill>
-                    <a:schemeClr val="bg1"/>
-                  </a:solidFill>
-                  <a:latin typeface="Century Gothic" panose="020B0502020202020204" pitchFamily="34" charset="0"/>
-                  <a:cs typeface="Arial" panose="020B0604020202020204" pitchFamily="34" charset="0"/>
-                </a:rPr>
-                <a:t>abbreviated test</a:t>
               </a:r>
             </a:p>
           </p:txBody>
@@ -23652,8 +25691,8 @@
         </p:nvSpPr>
         <p:spPr>
           <a:xfrm>
-            <a:off x="2267890" y="5412121"/>
-            <a:ext cx="1670650" cy="461665"/>
+            <a:off x="2618947" y="5412121"/>
+            <a:ext cx="968535" cy="461665"/>
           </a:xfrm>
           <a:prstGeom prst="rect">
             <a:avLst/>
@@ -23681,7 +25720,7 @@
                 <a:latin typeface="Century Gothic" panose="020B0502020202020204" pitchFamily="34" charset="0"/>
                 <a:cs typeface="Arial" panose="020B0604020202020204" pitchFamily="34" charset="0"/>
               </a:rPr>
-              <a:t>Principal Consultant</a:t>
+              <a:t>Director</a:t>
             </a:r>
           </a:p>
         </p:txBody>
@@ -23700,7 +25739,7 @@
         </p:nvSpPr>
         <p:spPr>
           <a:xfrm>
-            <a:off x="4476367" y="5423352"/>
+            <a:off x="4463540" y="5450297"/>
             <a:ext cx="1212190" cy="461665"/>
           </a:xfrm>
           <a:prstGeom prst="rect">
@@ -23748,7 +25787,7 @@
         </p:nvSpPr>
         <p:spPr>
           <a:xfrm>
-            <a:off x="6106471" y="5423352"/>
+            <a:off x="6061356" y="5450297"/>
             <a:ext cx="1398139" cy="461665"/>
           </a:xfrm>
           <a:prstGeom prst="rect">
@@ -23796,7 +25835,7 @@
         </p:nvSpPr>
         <p:spPr>
           <a:xfrm>
-            <a:off x="7967555" y="5370237"/>
+            <a:off x="7958498" y="5450296"/>
             <a:ext cx="1431802" cy="461665"/>
           </a:xfrm>
           <a:prstGeom prst="rect">
@@ -23833,7 +25872,7 @@
     </p:spTree>
     <p:extLst>
       <p:ext uri="{BB962C8B-B14F-4D97-AF65-F5344CB8AC3E}">
-        <p14:creationId xmlns:p14="http://schemas.microsoft.com/office/powerpoint/2010/main" val="722871691"/>
+        <p14:creationId xmlns:p14="http://schemas.microsoft.com/office/powerpoint/2010/main" val="1502449320"/>
       </p:ext>
     </p:extLst>
   </p:cSld>
@@ -25373,8 +27412,8 @@
         </p:nvSpPr>
         <p:spPr>
           <a:xfrm>
-            <a:off x="5030171" y="4218836"/>
-            <a:ext cx="1727335" cy="1300549"/>
+            <a:off x="5030171" y="4181825"/>
+            <a:ext cx="1727335" cy="1733808"/>
           </a:xfrm>
           <a:prstGeom prst="rect">
             <a:avLst/>
@@ -25392,7 +27431,7 @@
               </a:lnSpc>
             </a:pPr>
             <a:r>
-              <a:rPr lang="en-US" sz="1000" dirty="0">
+              <a:rPr lang="en-US" sz="1400" dirty="0">
                 <a:solidFill>
                   <a:srgbClr val="0070C0"/>
                 </a:solidFill>
@@ -25418,8 +27457,8 @@
         </p:nvSpPr>
         <p:spPr>
           <a:xfrm>
-            <a:off x="705611" y="4218836"/>
-            <a:ext cx="1661237" cy="684996"/>
+            <a:off x="705611" y="4181826"/>
+            <a:ext cx="1661237" cy="1118255"/>
           </a:xfrm>
           <a:prstGeom prst="rect">
             <a:avLst/>
@@ -25437,14 +27476,14 @@
               </a:lnSpc>
             </a:pPr>
             <a:r>
-              <a:rPr lang="en-US" sz="1000" dirty="0">
+              <a:rPr lang="en-US" sz="1400" dirty="0">
                 <a:solidFill>
                   <a:srgbClr val="0070C0"/>
                 </a:solidFill>
                 <a:latin typeface="Century Gothic" panose="020B0502020202020204" pitchFamily="34" charset="0"/>
                 <a:cs typeface="Arial" panose="020B0604020202020204" pitchFamily="34" charset="0"/>
               </a:rPr>
-              <a:t>State before the migration and why we started the migration</a:t>
+              <a:t>State how was before the migration was and why we started it</a:t>
             </a:r>
           </a:p>
         </p:txBody>
@@ -25463,8 +27502,8 @@
         </p:nvSpPr>
         <p:spPr>
           <a:xfrm>
-            <a:off x="2705273" y="4321428"/>
-            <a:ext cx="1973073" cy="479811"/>
+            <a:off x="2705273" y="4387009"/>
+            <a:ext cx="1973073" cy="707886"/>
           </a:xfrm>
           <a:prstGeom prst="rect">
             <a:avLst/>
@@ -25482,7 +27521,7 @@
               </a:lnSpc>
             </a:pPr>
             <a:r>
-              <a:rPr lang="en-US" sz="1000" dirty="0">
+              <a:rPr lang="en-US" sz="1400" dirty="0">
                 <a:solidFill>
                   <a:srgbClr val="0070C0"/>
                 </a:solidFill>
@@ -25508,8 +27547,8 @@
         </p:nvSpPr>
         <p:spPr>
           <a:xfrm>
-            <a:off x="7150945" y="4116244"/>
-            <a:ext cx="1875638" cy="890180"/>
+            <a:off x="7150945" y="4284417"/>
+            <a:ext cx="1875638" cy="913070"/>
           </a:xfrm>
           <a:prstGeom prst="rect">
             <a:avLst/>
@@ -25527,7 +27566,7 @@
               </a:lnSpc>
             </a:pPr>
             <a:r>
-              <a:rPr lang="en-US" sz="1000" dirty="0">
+              <a:rPr lang="en-US" sz="1400" dirty="0">
                 <a:solidFill>
                   <a:srgbClr val="0070C0"/>
                 </a:solidFill>
@@ -25537,7 +27576,7 @@
               <a:t>Report from my 2</a:t>
             </a:r>
             <a:r>
-              <a:rPr lang="en-US" sz="1000" baseline="30000" dirty="0">
+              <a:rPr lang="en-US" sz="1400" baseline="30000" dirty="0">
                 <a:solidFill>
                   <a:srgbClr val="0070C0"/>
                 </a:solidFill>
@@ -25547,7 +27586,7 @@
               <a:t>nd</a:t>
             </a:r>
             <a:r>
-              <a:rPr lang="en-US" sz="1000" dirty="0">
+              <a:rPr lang="en-US" sz="1400" dirty="0">
                 <a:solidFill>
                   <a:srgbClr val="0070C0"/>
                 </a:solidFill>
@@ -25605,58 +27644,14 @@
                             </p:stCondLst>
                             <p:childTnLst>
                               <p:par>
-                                <p:cTn id="5" presetID="0" presetClass="path" presetSubtype="0" repeatCount="4000" autoRev="1" fill="hold" grpId="0" nodeType="afterEffect">
-                                  <p:stCondLst>
-                                    <p:cond delay="0"/>
-                                  </p:stCondLst>
-                                  <p:childTnLst>
-                                    <p:animMotion origin="layout" path="M 0.00104 -0.00301 L -0.15273 -0.00301 " pathEditMode="relative" rAng="0" ptsTypes="AA">
-                                      <p:cBhvr>
-                                        <p:cTn id="6" dur="5000" fill="hold"/>
-                                        <p:tgtEl>
-                                          <p:spTgt spid="3"/>
-                                        </p:tgtEl>
-                                        <p:attrNameLst>
-                                          <p:attrName>ppt_x</p:attrName>
-                                          <p:attrName>ppt_y</p:attrName>
-                                        </p:attrNameLst>
-                                      </p:cBhvr>
-                                      <p:rCtr x="-7695" y="0"/>
-                                    </p:animMotion>
-                                  </p:childTnLst>
-                                </p:cTn>
-                              </p:par>
-                              <p:par>
-                                <p:cTn id="7" presetID="0" presetClass="path" presetSubtype="0" repeatCount="4000" autoRev="1" fill="hold" grpId="0" nodeType="withEffect">
-                                  <p:stCondLst>
-                                    <p:cond delay="1000"/>
-                                  </p:stCondLst>
-                                  <p:childTnLst>
-                                    <p:animMotion origin="layout" path="M -0.00339 -0.00463 L -0.11446 -0.00463 " pathEditMode="relative" rAng="0" ptsTypes="AA">
-                                      <p:cBhvr>
-                                        <p:cTn id="8" dur="5000" fill="hold"/>
-                                        <p:tgtEl>
-                                          <p:spTgt spid="9"/>
-                                        </p:tgtEl>
-                                        <p:attrNameLst>
-                                          <p:attrName>ppt_x</p:attrName>
-                                          <p:attrName>ppt_y</p:attrName>
-                                        </p:attrNameLst>
-                                      </p:cBhvr>
-                                      <p:rCtr x="-5560" y="0"/>
-                                    </p:animMotion>
-                                  </p:childTnLst>
-                                </p:cTn>
-                              </p:par>
-                              <p:par>
-                                <p:cTn id="9" presetID="2" presetClass="entr" presetSubtype="8" fill="hold" grpId="0" nodeType="withEffect">
+                                <p:cTn id="5" presetID="2" presetClass="entr" presetSubtype="8" fill="hold" grpId="0" nodeType="withEffect">
                                   <p:stCondLst>
                                     <p:cond delay="0"/>
                                   </p:stCondLst>
                                   <p:childTnLst>
                                     <p:set>
                                       <p:cBhvr>
-                                        <p:cTn id="10" dur="1" fill="hold">
+                                        <p:cTn id="6" dur="1" fill="hold">
                                           <p:stCondLst>
                                             <p:cond delay="0"/>
                                           </p:stCondLst>
@@ -25674,7 +27669,7 @@
                                     </p:set>
                                     <p:anim calcmode="lin" valueType="num">
                                       <p:cBhvr additive="base">
-                                        <p:cTn id="11" dur="2000" fill="hold"/>
+                                        <p:cTn id="7" dur="2000" fill="hold"/>
                                         <p:tgtEl>
                                           <p:spTgt spid="8"/>
                                         </p:tgtEl>
@@ -25697,7 +27692,7 @@
                                     </p:anim>
                                     <p:anim calcmode="lin" valueType="num">
                                       <p:cBhvr additive="base">
-                                        <p:cTn id="12" dur="2000" fill="hold"/>
+                                        <p:cTn id="8" dur="2000" fill="hold"/>
                                         <p:tgtEl>
                                           <p:spTgt spid="8"/>
                                         </p:tgtEl>
@@ -25722,14 +27717,14 @@
                                 </p:cTn>
                               </p:par>
                               <p:par>
-                                <p:cTn id="13" presetID="2" presetClass="entr" presetSubtype="8" fill="hold" grpId="0" nodeType="withEffect">
+                                <p:cTn id="9" presetID="2" presetClass="entr" presetSubtype="8" fill="hold" grpId="0" nodeType="withEffect">
                                   <p:stCondLst>
                                     <p:cond delay="0"/>
                                   </p:stCondLst>
                                   <p:childTnLst>
                                     <p:set>
                                       <p:cBhvr>
-                                        <p:cTn id="14" dur="1" fill="hold">
+                                        <p:cTn id="10" dur="1" fill="hold">
                                           <p:stCondLst>
                                             <p:cond delay="0"/>
                                           </p:stCondLst>
@@ -25747,7 +27742,7 @@
                                     </p:set>
                                     <p:anim calcmode="lin" valueType="num">
                                       <p:cBhvr additive="base">
-                                        <p:cTn id="15" dur="2000" fill="hold"/>
+                                        <p:cTn id="11" dur="2000" fill="hold"/>
                                         <p:tgtEl>
                                           <p:spTgt spid="16"/>
                                         </p:tgtEl>
@@ -25770,9 +27765,82 @@
                                     </p:anim>
                                     <p:anim calcmode="lin" valueType="num">
                                       <p:cBhvr additive="base">
+                                        <p:cTn id="12" dur="2000" fill="hold"/>
+                                        <p:tgtEl>
+                                          <p:spTgt spid="16"/>
+                                        </p:tgtEl>
+                                        <p:attrNameLst>
+                                          <p:attrName>ppt_y</p:attrName>
+                                        </p:attrNameLst>
+                                      </p:cBhvr>
+                                      <p:tavLst>
+                                        <p:tav tm="0">
+                                          <p:val>
+                                            <p:strVal val="#ppt_y"/>
+                                          </p:val>
+                                        </p:tav>
+                                        <p:tav tm="100000">
+                                          <p:val>
+                                            <p:strVal val="#ppt_y"/>
+                                          </p:val>
+                                        </p:tav>
+                                      </p:tavLst>
+                                    </p:anim>
+                                  </p:childTnLst>
+                                </p:cTn>
+                              </p:par>
+                              <p:par>
+                                <p:cTn id="13" presetID="2" presetClass="entr" presetSubtype="8" fill="hold" grpId="0" nodeType="withEffect">
+                                  <p:stCondLst>
+                                    <p:cond delay="1000"/>
+                                  </p:stCondLst>
+                                  <p:childTnLst>
+                                    <p:set>
+                                      <p:cBhvr>
+                                        <p:cTn id="14" dur="1" fill="hold">
+                                          <p:stCondLst>
+                                            <p:cond delay="0"/>
+                                          </p:stCondLst>
+                                        </p:cTn>
+                                        <p:tgtEl>
+                                          <p:spTgt spid="7"/>
+                                        </p:tgtEl>
+                                        <p:attrNameLst>
+                                          <p:attrName>style.visibility</p:attrName>
+                                        </p:attrNameLst>
+                                      </p:cBhvr>
+                                      <p:to>
+                                        <p:strVal val="visible"/>
+                                      </p:to>
+                                    </p:set>
+                                    <p:anim calcmode="lin" valueType="num">
+                                      <p:cBhvr additive="base">
+                                        <p:cTn id="15" dur="2000" fill="hold"/>
+                                        <p:tgtEl>
+                                          <p:spTgt spid="7"/>
+                                        </p:tgtEl>
+                                        <p:attrNameLst>
+                                          <p:attrName>ppt_x</p:attrName>
+                                        </p:attrNameLst>
+                                      </p:cBhvr>
+                                      <p:tavLst>
+                                        <p:tav tm="0">
+                                          <p:val>
+                                            <p:strVal val="0-#ppt_w/2"/>
+                                          </p:val>
+                                        </p:tav>
+                                        <p:tav tm="100000">
+                                          <p:val>
+                                            <p:strVal val="#ppt_x"/>
+                                          </p:val>
+                                        </p:tav>
+                                      </p:tavLst>
+                                    </p:anim>
+                                    <p:anim calcmode="lin" valueType="num">
+                                      <p:cBhvr additive="base">
                                         <p:cTn id="16" dur="2000" fill="hold"/>
                                         <p:tgtEl>
-                                          <p:spTgt spid="16"/>
+                                          <p:spTgt spid="7"/>
                                         </p:tgtEl>
                                         <p:attrNameLst>
                                           <p:attrName>ppt_y</p:attrName>
@@ -25808,7 +27876,7 @@
                                           </p:stCondLst>
                                         </p:cTn>
                                         <p:tgtEl>
-                                          <p:spTgt spid="7"/>
+                                          <p:spTgt spid="13"/>
                                         </p:tgtEl>
                                         <p:attrNameLst>
                                           <p:attrName>style.visibility</p:attrName>
@@ -25822,7 +27890,7 @@
                                       <p:cBhvr additive="base">
                                         <p:cTn id="19" dur="2000" fill="hold"/>
                                         <p:tgtEl>
-                                          <p:spTgt spid="7"/>
+                                          <p:spTgt spid="13"/>
                                         </p:tgtEl>
                                         <p:attrNameLst>
                                           <p:attrName>ppt_x</p:attrName>
@@ -25845,7 +27913,7 @@
                                       <p:cBhvr additive="base">
                                         <p:cTn id="20" dur="2000" fill="hold"/>
                                         <p:tgtEl>
-                                          <p:spTgt spid="7"/>
+                                          <p:spTgt spid="13"/>
                                         </p:tgtEl>
                                         <p:attrNameLst>
                                           <p:attrName>ppt_y</p:attrName>
@@ -25870,7 +27938,7 @@
                               <p:par>
                                 <p:cTn id="21" presetID="2" presetClass="entr" presetSubtype="8" fill="hold" grpId="0" nodeType="withEffect">
                                   <p:stCondLst>
-                                    <p:cond delay="1000"/>
+                                    <p:cond delay="2000"/>
                                   </p:stCondLst>
                                   <p:childTnLst>
                                     <p:set>
@@ -25881,7 +27949,7 @@
                                           </p:stCondLst>
                                         </p:cTn>
                                         <p:tgtEl>
-                                          <p:spTgt spid="13"/>
+                                          <p:spTgt spid="6"/>
                                         </p:tgtEl>
                                         <p:attrNameLst>
                                           <p:attrName>style.visibility</p:attrName>
@@ -25895,7 +27963,7 @@
                                       <p:cBhvr additive="base">
                                         <p:cTn id="23" dur="2000" fill="hold"/>
                                         <p:tgtEl>
-                                          <p:spTgt spid="13"/>
+                                          <p:spTgt spid="6"/>
                                         </p:tgtEl>
                                         <p:attrNameLst>
                                           <p:attrName>ppt_x</p:attrName>
@@ -25918,7 +27986,7 @@
                                       <p:cBhvr additive="base">
                                         <p:cTn id="24" dur="2000" fill="hold"/>
                                         <p:tgtEl>
-                                          <p:spTgt spid="13"/>
+                                          <p:spTgt spid="6"/>
                                         </p:tgtEl>
                                         <p:attrNameLst>
                                           <p:attrName>ppt_y</p:attrName>
@@ -25954,7 +28022,7 @@
                                           </p:stCondLst>
                                         </p:cTn>
                                         <p:tgtEl>
-                                          <p:spTgt spid="6"/>
+                                          <p:spTgt spid="15"/>
                                         </p:tgtEl>
                                         <p:attrNameLst>
                                           <p:attrName>style.visibility</p:attrName>
@@ -25968,7 +28036,7 @@
                                       <p:cBhvr additive="base">
                                         <p:cTn id="27" dur="2000" fill="hold"/>
                                         <p:tgtEl>
-                                          <p:spTgt spid="6"/>
+                                          <p:spTgt spid="15"/>
                                         </p:tgtEl>
                                         <p:attrNameLst>
                                           <p:attrName>ppt_x</p:attrName>
@@ -25991,7 +28059,7 @@
                                       <p:cBhvr additive="base">
                                         <p:cTn id="28" dur="2000" fill="hold"/>
                                         <p:tgtEl>
-                                          <p:spTgt spid="6"/>
+                                          <p:spTgt spid="15"/>
                                         </p:tgtEl>
                                         <p:attrNameLst>
                                           <p:attrName>ppt_y</p:attrName>
@@ -26016,7 +28084,7 @@
                               <p:par>
                                 <p:cTn id="29" presetID="2" presetClass="entr" presetSubtype="8" fill="hold" grpId="0" nodeType="withEffect">
                                   <p:stCondLst>
-                                    <p:cond delay="2000"/>
+                                    <p:cond delay="3000"/>
                                   </p:stCondLst>
                                   <p:childTnLst>
                                     <p:set>
@@ -26027,7 +28095,7 @@
                                           </p:stCondLst>
                                         </p:cTn>
                                         <p:tgtEl>
-                                          <p:spTgt spid="15"/>
+                                          <p:spTgt spid="5"/>
                                         </p:tgtEl>
                                         <p:attrNameLst>
                                           <p:attrName>style.visibility</p:attrName>
@@ -26041,7 +28109,7 @@
                                       <p:cBhvr additive="base">
                                         <p:cTn id="31" dur="2000" fill="hold"/>
                                         <p:tgtEl>
-                                          <p:spTgt spid="15"/>
+                                          <p:spTgt spid="5"/>
                                         </p:tgtEl>
                                         <p:attrNameLst>
                                           <p:attrName>ppt_x</p:attrName>
@@ -26064,7 +28132,7 @@
                                       <p:cBhvr additive="base">
                                         <p:cTn id="32" dur="2000" fill="hold"/>
                                         <p:tgtEl>
-                                          <p:spTgt spid="15"/>
+                                          <p:spTgt spid="5"/>
                                         </p:tgtEl>
                                         <p:attrNameLst>
                                           <p:attrName>ppt_y</p:attrName>
@@ -26100,7 +28168,7 @@
                                           </p:stCondLst>
                                         </p:cTn>
                                         <p:tgtEl>
-                                          <p:spTgt spid="5"/>
+                                          <p:spTgt spid="14"/>
                                         </p:tgtEl>
                                         <p:attrNameLst>
                                           <p:attrName>style.visibility</p:attrName>
@@ -26113,79 +28181,6 @@
                                     <p:anim calcmode="lin" valueType="num">
                                       <p:cBhvr additive="base">
                                         <p:cTn id="35" dur="2000" fill="hold"/>
-                                        <p:tgtEl>
-                                          <p:spTgt spid="5"/>
-                                        </p:tgtEl>
-                                        <p:attrNameLst>
-                                          <p:attrName>ppt_x</p:attrName>
-                                        </p:attrNameLst>
-                                      </p:cBhvr>
-                                      <p:tavLst>
-                                        <p:tav tm="0">
-                                          <p:val>
-                                            <p:strVal val="0-#ppt_w/2"/>
-                                          </p:val>
-                                        </p:tav>
-                                        <p:tav tm="100000">
-                                          <p:val>
-                                            <p:strVal val="#ppt_x"/>
-                                          </p:val>
-                                        </p:tav>
-                                      </p:tavLst>
-                                    </p:anim>
-                                    <p:anim calcmode="lin" valueType="num">
-                                      <p:cBhvr additive="base">
-                                        <p:cTn id="36" dur="2000" fill="hold"/>
-                                        <p:tgtEl>
-                                          <p:spTgt spid="5"/>
-                                        </p:tgtEl>
-                                        <p:attrNameLst>
-                                          <p:attrName>ppt_y</p:attrName>
-                                        </p:attrNameLst>
-                                      </p:cBhvr>
-                                      <p:tavLst>
-                                        <p:tav tm="0">
-                                          <p:val>
-                                            <p:strVal val="#ppt_y"/>
-                                          </p:val>
-                                        </p:tav>
-                                        <p:tav tm="100000">
-                                          <p:val>
-                                            <p:strVal val="#ppt_y"/>
-                                          </p:val>
-                                        </p:tav>
-                                      </p:tavLst>
-                                    </p:anim>
-                                  </p:childTnLst>
-                                </p:cTn>
-                              </p:par>
-                              <p:par>
-                                <p:cTn id="37" presetID="2" presetClass="entr" presetSubtype="8" fill="hold" grpId="0" nodeType="withEffect">
-                                  <p:stCondLst>
-                                    <p:cond delay="3000"/>
-                                  </p:stCondLst>
-                                  <p:childTnLst>
-                                    <p:set>
-                                      <p:cBhvr>
-                                        <p:cTn id="38" dur="1" fill="hold">
-                                          <p:stCondLst>
-                                            <p:cond delay="0"/>
-                                          </p:stCondLst>
-                                        </p:cTn>
-                                        <p:tgtEl>
-                                          <p:spTgt spid="14"/>
-                                        </p:tgtEl>
-                                        <p:attrNameLst>
-                                          <p:attrName>style.visibility</p:attrName>
-                                        </p:attrNameLst>
-                                      </p:cBhvr>
-                                      <p:to>
-                                        <p:strVal val="visible"/>
-                                      </p:to>
-                                    </p:set>
-                                    <p:anim calcmode="lin" valueType="num">
-                                      <p:cBhvr additive="base">
-                                        <p:cTn id="39" dur="2000" fill="hold"/>
                                         <p:tgtEl>
                                           <p:spTgt spid="14"/>
                                         </p:tgtEl>
@@ -26208,7 +28203,7 @@
                                     </p:anim>
                                     <p:anim calcmode="lin" valueType="num">
                                       <p:cBhvr additive="base">
-                                        <p:cTn id="40" dur="2000" fill="hold"/>
+                                        <p:cTn id="36" dur="2000" fill="hold"/>
                                         <p:tgtEl>
                                           <p:spTgt spid="14"/>
                                         </p:tgtEl>
@@ -26260,12 +28255,10 @@
       </p:par>
     </p:tnLst>
     <p:bldLst>
-      <p:bldP spid="3" grpId="0" animBg="1"/>
       <p:bldP spid="5" grpId="0" animBg="1"/>
       <p:bldP spid="6" grpId="0" animBg="1"/>
       <p:bldP spid="7" grpId="0" animBg="1"/>
       <p:bldP spid="8" grpId="0" animBg="1"/>
-      <p:bldP spid="9" grpId="0" animBg="1"/>
       <p:bldP spid="13" grpId="0"/>
       <p:bldP spid="14" grpId="0"/>
       <p:bldP spid="15" grpId="0"/>
@@ -28445,7 +30438,7 @@
           <p:nvPr/>
         </p:nvPicPr>
         <p:blipFill>
-          <a:blip r:embed="rId2">
+          <a:blip r:embed="rId3">
             <a:extLst>
               <a:ext uri="{28A0092B-C50C-407E-A947-70E740481C1C}">
                 <a14:useLocalDpi xmlns:a14="http://schemas.microsoft.com/office/drawing/2010/main" val="0"/>
@@ -28480,8 +30473,8 @@
         </p:nvSpPr>
         <p:spPr>
           <a:xfrm>
-            <a:off x="115911" y="2377355"/>
-            <a:ext cx="3862002" cy="1938992"/>
+            <a:off x="115911" y="1914618"/>
+            <a:ext cx="3862002" cy="4524315"/>
           </a:xfrm>
           <a:prstGeom prst="rect">
             <a:avLst/>
@@ -28505,6 +30498,39 @@
               </a:rPr>
               <a:t>” A product is something (physical or not) created through a process that provides benefits to a market ”</a:t>
             </a:r>
+          </a:p>
+          <a:p>
+            <a:pPr algn="ctr"/>
+            <a:endParaRPr lang="en-US" sz="2400" b="1" dirty="0">
+              <a:solidFill>
+                <a:schemeClr val="accent4"/>
+              </a:solidFill>
+              <a:latin typeface="Arial Rounded MT Bold" panose="020F0704030504030204" pitchFamily="34" charset="77"/>
+              <a:cs typeface="Arial" panose="020B0604020202020204" pitchFamily="34" charset="0"/>
+            </a:endParaRPr>
+          </a:p>
+          <a:p>
+            <a:pPr algn="ctr"/>
+            <a:r>
+              <a:rPr lang="en-US" sz="2400" b="1" dirty="0">
+                <a:solidFill>
+                  <a:schemeClr val="accent4"/>
+                </a:solidFill>
+                <a:latin typeface="Arial Rounded MT Bold" panose="020F0704030504030204" pitchFamily="34" charset="77"/>
+                <a:cs typeface="Arial" panose="020B0604020202020204" pitchFamily="34" charset="0"/>
+              </a:rPr>
+              <a:t>“A Cohesive set of applications, components, and services that provide user value”</a:t>
+            </a:r>
+          </a:p>
+          <a:p>
+            <a:pPr algn="ctr"/>
+            <a:endParaRPr lang="en-US" sz="2400" b="1" dirty="0">
+              <a:solidFill>
+                <a:schemeClr val="accent4"/>
+              </a:solidFill>
+              <a:latin typeface="Arial Rounded MT Bold" panose="020F0704030504030204" pitchFamily="34" charset="77"/>
+              <a:cs typeface="Arial" panose="020B0604020202020204" pitchFamily="34" charset="0"/>
+            </a:endParaRPr>
           </a:p>
         </p:txBody>
       </p:sp>
